--- a/lectures/Lecture 4 - Analytics.pptx
+++ b/lectures/Lecture 4 - Analytics.pptx
@@ -5,24 +5,14 @@
     <p:sldMasterId id="2147483679" r:id="rId1"/>
   </p:sldMasterIdLst>
   <p:notesMasterIdLst>
-    <p:notesMasterId r:id="rId17"/>
+    <p:notesMasterId r:id="rId7"/>
   </p:notesMasterIdLst>
   <p:sldIdLst>
     <p:sldId id="256" r:id="rId2"/>
     <p:sldId id="266" r:id="rId3"/>
     <p:sldId id="267" r:id="rId4"/>
     <p:sldId id="268" r:id="rId5"/>
-    <p:sldId id="269" r:id="rId6"/>
-    <p:sldId id="270" r:id="rId7"/>
-    <p:sldId id="271" r:id="rId8"/>
-    <p:sldId id="272" r:id="rId9"/>
-    <p:sldId id="273" r:id="rId10"/>
-    <p:sldId id="274" r:id="rId11"/>
-    <p:sldId id="275" r:id="rId12"/>
-    <p:sldId id="276" r:id="rId13"/>
-    <p:sldId id="277" r:id="rId14"/>
-    <p:sldId id="278" r:id="rId15"/>
-    <p:sldId id="265" r:id="rId16"/>
+    <p:sldId id="265" r:id="rId6"/>
   </p:sldIdLst>
   <p:sldSz cx="9144000" cy="5143500" type="screen16x9"/>
   <p:notesSz cx="6858000" cy="9144000"/>
@@ -1659,108 +1649,6 @@
 </file>
 
 <file path=ppt/notesSlides/notesSlide5.xml><?xml version="1.0" encoding="utf-8"?>
-<p:notes xmlns:a="http://schemas.openxmlformats.org/drawingml/2006/main" xmlns:r="http://schemas.openxmlformats.org/officeDocument/2006/relationships" xmlns:p="http://schemas.openxmlformats.org/presentationml/2006/main">
-  <p:cSld>
-    <p:spTree>
-      <p:nvGrpSpPr>
-        <p:cNvPr id="1" name=""/>
-        <p:cNvGrpSpPr/>
-        <p:nvPr/>
-      </p:nvGrpSpPr>
-      <p:grpSpPr>
-        <a:xfrm>
-          <a:off x="0" y="0"/>
-          <a:ext cx="0" cy="0"/>
-          <a:chOff x="0" y="0"/>
-          <a:chExt cx="0" cy="0"/>
-        </a:xfrm>
-      </p:grpSpPr>
-      <p:sp>
-        <p:nvSpPr>
-          <p:cNvPr id="2" name="Slide Image Placeholder 1"/>
-          <p:cNvSpPr>
-            <a:spLocks noGrp="1" noRot="1" noChangeAspect="1"/>
-          </p:cNvSpPr>
-          <p:nvPr>
-            <p:ph type="sldImg"/>
-          </p:nvPr>
-        </p:nvSpPr>
-        <p:spPr/>
-      </p:sp>
-      <p:sp>
-        <p:nvSpPr>
-          <p:cNvPr id="3" name="Notes Placeholder 2"/>
-          <p:cNvSpPr>
-            <a:spLocks noGrp="1"/>
-          </p:cNvSpPr>
-          <p:nvPr>
-            <p:ph type="body" idx="1"/>
-          </p:nvPr>
-        </p:nvSpPr>
-        <p:spPr/>
-        <p:txBody>
-          <a:bodyPr/>
-          <a:lstStyle/>
-          <a:p>
-            <a:pPr marL="0" lvl="0" indent="0" defTabSz="914400">
-              <a:spcBef>
-                <a:spcPts val="600"/>
-              </a:spcBef>
-              <a:buClr>
-                <a:schemeClr val="accent1"/>
-              </a:buClr>
-              <a:buSzPct val="76000"/>
-              <a:buFont typeface="Arial" panose="020B0604020202020204" pitchFamily="34" charset="0"/>
-              <a:buNone/>
-            </a:pPr>
-            <a:endParaRPr lang="en-US" sz="1200" b="1" dirty="0" smtClean="0">
-              <a:solidFill>
-                <a:srgbClr val="4B3C38"/>
-              </a:solidFill>
-              <a:latin typeface="Arial"/>
-              <a:cs typeface="Arial"/>
-            </a:endParaRPr>
-          </a:p>
-        </p:txBody>
-      </p:sp>
-      <p:sp>
-        <p:nvSpPr>
-          <p:cNvPr id="4" name="Slide Number Placeholder 3"/>
-          <p:cNvSpPr>
-            <a:spLocks noGrp="1"/>
-          </p:cNvSpPr>
-          <p:nvPr>
-            <p:ph type="sldNum" sz="quarter" idx="10"/>
-          </p:nvPr>
-        </p:nvSpPr>
-        <p:spPr/>
-        <p:txBody>
-          <a:bodyPr/>
-          <a:lstStyle/>
-          <a:p>
-            <a:fld id="{BA7E4AFD-04C6-6249-A58E-7FAEE9AC0F1B}" type="slidenum">
-              <a:rPr lang="en-US" smtClean="0"/>
-              <a:pPr/>
-              <a:t>14</a:t>
-            </a:fld>
-            <a:endParaRPr lang="en-US"/>
-          </a:p>
-        </p:txBody>
-      </p:sp>
-    </p:spTree>
-    <p:extLst>
-      <p:ext uri="{BB962C8B-B14F-4D97-AF65-F5344CB8AC3E}">
-        <p14:creationId xmlns:p14="http://schemas.microsoft.com/office/powerpoint/2010/main" val="1060972524"/>
-      </p:ext>
-    </p:extLst>
-  </p:cSld>
-  <p:clrMapOvr>
-    <a:masterClrMapping/>
-  </p:clrMapOvr>
-</p:notes>
-</file>
-
-<file path=ppt/notesSlides/notesSlide6.xml><?xml version="1.0" encoding="utf-8"?>
 <p:notes xmlns:a="http://schemas.openxmlformats.org/drawingml/2006/main" xmlns:r="http://schemas.openxmlformats.org/officeDocument/2006/relationships" xmlns:p="http://schemas.openxmlformats.org/presentationml/2006/main" showMasterSp="0" showMasterPhAnim="0">
   <p:cSld>
     <p:spTree>
@@ -1932,7 +1820,7 @@
                 <a:cs typeface="Calibri"/>
                 <a:sym typeface="Calibri"/>
               </a:rPr>
-              <a:t>15</a:t>
+              <a:t>5</a:t>
             </a:fld>
             <a:endParaRPr lang="en-US" sz="1200">
               <a:solidFill>
@@ -22169,1960 +22057,6 @@
 </p:sld>
 </file>
 
-<file path=ppt/slides/slide10.xml><?xml version="1.0" encoding="utf-8"?>
-<p:sld xmlns:a="http://schemas.openxmlformats.org/drawingml/2006/main" xmlns:r="http://schemas.openxmlformats.org/officeDocument/2006/relationships" xmlns:p="http://schemas.openxmlformats.org/presentationml/2006/main">
-  <p:cSld>
-    <p:spTree>
-      <p:nvGrpSpPr>
-        <p:cNvPr id="1" name=""/>
-        <p:cNvGrpSpPr/>
-        <p:nvPr/>
-      </p:nvGrpSpPr>
-      <p:grpSpPr>
-        <a:xfrm>
-          <a:off x="0" y="0"/>
-          <a:ext cx="0" cy="0"/>
-          <a:chOff x="0" y="0"/>
-          <a:chExt cx="0" cy="0"/>
-        </a:xfrm>
-      </p:grpSpPr>
-      <p:sp>
-        <p:nvSpPr>
-          <p:cNvPr id="6" name="Title 5"/>
-          <p:cNvSpPr>
-            <a:spLocks noGrp="1"/>
-          </p:cNvSpPr>
-          <p:nvPr>
-            <p:ph type="title"/>
-          </p:nvPr>
-        </p:nvSpPr>
-        <p:spPr/>
-        <p:txBody>
-          <a:bodyPr>
-            <a:normAutofit fontScale="90000"/>
-          </a:bodyPr>
-          <a:lstStyle/>
-          <a:p>
-            <a:r>
-              <a:rPr lang="en-US" dirty="0"/>
-              <a:t>Getting Started</a:t>
-            </a:r>
-            <a:r>
-              <a:rPr lang="en-US" dirty="0" smtClean="0"/>
-              <a:t>: Pro-Tips</a:t>
-            </a:r>
-            <a:endParaRPr lang="en-US" dirty="0"/>
-          </a:p>
-        </p:txBody>
-      </p:sp>
-      <p:sp>
-        <p:nvSpPr>
-          <p:cNvPr id="7" name="Content Placeholder 6"/>
-          <p:cNvSpPr>
-            <a:spLocks noGrp="1"/>
-          </p:cNvSpPr>
-          <p:nvPr>
-            <p:ph sz="quarter" idx="1"/>
-          </p:nvPr>
-        </p:nvSpPr>
-        <p:spPr>
-          <a:xfrm>
-            <a:off x="381001" y="914400"/>
-            <a:ext cx="4769923" cy="3979308"/>
-          </a:xfrm>
-        </p:spPr>
-        <p:txBody>
-          <a:bodyPr>
-            <a:normAutofit/>
-          </a:bodyPr>
-          <a:lstStyle/>
-          <a:p>
-            <a:pPr>
-              <a:lnSpc>
-                <a:spcPct val="150000"/>
-              </a:lnSpc>
-            </a:pPr>
-            <a:r>
-              <a:rPr lang="en-US" sz="2400" dirty="0" smtClean="0"/>
-              <a:t>Use appropriate infrastructure</a:t>
-            </a:r>
-          </a:p>
-          <a:p>
-            <a:pPr>
-              <a:lnSpc>
-                <a:spcPct val="150000"/>
-              </a:lnSpc>
-            </a:pPr>
-            <a:r>
-              <a:rPr lang="en-US" sz="2400" dirty="0"/>
-              <a:t>Get your data model </a:t>
-            </a:r>
-            <a:r>
-              <a:rPr lang="en-US" sz="2400" dirty="0" smtClean="0"/>
-              <a:t>right</a:t>
-            </a:r>
-          </a:p>
-          <a:p>
-            <a:pPr>
-              <a:lnSpc>
-                <a:spcPct val="150000"/>
-              </a:lnSpc>
-            </a:pPr>
-            <a:r>
-              <a:rPr lang="en-US" sz="2400" dirty="0" smtClean="0"/>
-              <a:t>Know </a:t>
-            </a:r>
-            <a:r>
-              <a:rPr lang="en-US" sz="2400" dirty="0"/>
-              <a:t>the DataStax driver</a:t>
-            </a:r>
-          </a:p>
-          <a:p>
-            <a:pPr>
-              <a:lnSpc>
-                <a:spcPct val="150000"/>
-              </a:lnSpc>
-            </a:pPr>
-            <a:r>
-              <a:rPr lang="en-US" sz="2400" b="1" dirty="0"/>
-              <a:t>Code good query patterns</a:t>
-            </a:r>
-          </a:p>
-          <a:p>
-            <a:pPr>
-              <a:lnSpc>
-                <a:spcPct val="150000"/>
-              </a:lnSpc>
-            </a:pPr>
-            <a:r>
-              <a:rPr lang="en-US" sz="2400" dirty="0"/>
-              <a:t>Size your cluster </a:t>
-            </a:r>
-            <a:r>
-              <a:rPr lang="en-US" sz="2400" dirty="0" smtClean="0"/>
-              <a:t>correctly</a:t>
-            </a:r>
-            <a:endParaRPr lang="en-US" sz="2400" dirty="0"/>
-          </a:p>
-        </p:txBody>
-      </p:sp>
-      <p:sp>
-        <p:nvSpPr>
-          <p:cNvPr id="2" name="Rectangle 1"/>
-          <p:cNvSpPr/>
-          <p:nvPr/>
-        </p:nvSpPr>
-        <p:spPr>
-          <a:xfrm>
-            <a:off x="5266375" y="2145672"/>
-            <a:ext cx="3723041" cy="2431435"/>
-          </a:xfrm>
-          <a:prstGeom prst="rect">
-            <a:avLst/>
-          </a:prstGeom>
-        </p:spPr>
-        <p:txBody>
-          <a:bodyPr vert="horz" lIns="0" tIns="0" bIns="0">
-            <a:normAutofit/>
-          </a:bodyPr>
-          <a:lstStyle/>
-          <a:p>
-            <a:pPr>
-              <a:lnSpc>
-                <a:spcPct val="150000"/>
-              </a:lnSpc>
-              <a:spcBef>
-                <a:spcPts val="600"/>
-              </a:spcBef>
-              <a:buClr>
-                <a:schemeClr val="accent1"/>
-              </a:buClr>
-              <a:buSzPct val="76000"/>
-              <a:buFont typeface="Wingdings 3"/>
-              <a:buNone/>
-            </a:pPr>
-            <a:r>
-              <a:rPr lang="en-US" sz="2400" dirty="0" smtClean="0">
-                <a:solidFill>
-                  <a:schemeClr val="tx1">
-                    <a:lumMod val="65000"/>
-                    <a:lumOff val="35000"/>
-                  </a:schemeClr>
-                </a:solidFill>
-                <a:latin typeface="Arial"/>
-                <a:cs typeface="Arial"/>
-              </a:rPr>
-              <a:t>Asynchronous </a:t>
-            </a:r>
-            <a:r>
-              <a:rPr lang="en-US" sz="2400" dirty="0">
-                <a:solidFill>
-                  <a:schemeClr val="tx1">
-                    <a:lumMod val="65000"/>
-                    <a:lumOff val="35000"/>
-                  </a:schemeClr>
-                </a:solidFill>
-                <a:latin typeface="Arial"/>
-                <a:cs typeface="Arial"/>
-              </a:rPr>
-              <a:t>queries</a:t>
-            </a:r>
-          </a:p>
-          <a:p>
-            <a:pPr>
-              <a:lnSpc>
-                <a:spcPct val="150000"/>
-              </a:lnSpc>
-              <a:spcBef>
-                <a:spcPts val="600"/>
-              </a:spcBef>
-              <a:buClr>
-                <a:schemeClr val="accent1"/>
-              </a:buClr>
-              <a:buSzPct val="76000"/>
-              <a:buFont typeface="Wingdings 3"/>
-              <a:buNone/>
-            </a:pPr>
-            <a:r>
-              <a:rPr lang="en-US" sz="2400" dirty="0" smtClean="0">
-                <a:solidFill>
-                  <a:schemeClr val="tx1">
-                    <a:lumMod val="65000"/>
-                    <a:lumOff val="35000"/>
-                  </a:schemeClr>
-                </a:solidFill>
-                <a:latin typeface="Arial"/>
-                <a:cs typeface="Arial"/>
-              </a:rPr>
-              <a:t>Prepared </a:t>
-            </a:r>
-            <a:r>
-              <a:rPr lang="en-US" sz="2400" dirty="0">
-                <a:solidFill>
-                  <a:schemeClr val="tx1">
-                    <a:lumMod val="65000"/>
-                    <a:lumOff val="35000"/>
-                  </a:schemeClr>
-                </a:solidFill>
-                <a:latin typeface="Arial"/>
-                <a:cs typeface="Arial"/>
-              </a:rPr>
-              <a:t>statements</a:t>
-            </a:r>
-          </a:p>
-          <a:p>
-            <a:pPr>
-              <a:lnSpc>
-                <a:spcPct val="150000"/>
-              </a:lnSpc>
-              <a:spcBef>
-                <a:spcPts val="600"/>
-              </a:spcBef>
-              <a:buClr>
-                <a:schemeClr val="accent1"/>
-              </a:buClr>
-              <a:buSzPct val="76000"/>
-              <a:buFont typeface="Wingdings 3"/>
-              <a:buNone/>
-            </a:pPr>
-            <a:r>
-              <a:rPr lang="en-US" sz="2400" dirty="0" smtClean="0">
-                <a:solidFill>
-                  <a:schemeClr val="tx1">
-                    <a:lumMod val="65000"/>
-                    <a:lumOff val="35000"/>
-                  </a:schemeClr>
-                </a:solidFill>
-                <a:latin typeface="Arial"/>
-                <a:cs typeface="Arial"/>
-              </a:rPr>
-              <a:t>Use </a:t>
-            </a:r>
-            <a:r>
-              <a:rPr lang="en-US" sz="2400" dirty="0">
-                <a:solidFill>
-                  <a:schemeClr val="tx1">
-                    <a:lumMod val="65000"/>
-                    <a:lumOff val="35000"/>
-                  </a:schemeClr>
-                </a:solidFill>
-                <a:latin typeface="Arial"/>
-                <a:cs typeface="Arial"/>
-              </a:rPr>
-              <a:t>batches </a:t>
-            </a:r>
-            <a:r>
-              <a:rPr lang="en-US" sz="2400" dirty="0" smtClean="0">
-                <a:solidFill>
-                  <a:schemeClr val="tx1">
-                    <a:lumMod val="65000"/>
-                    <a:lumOff val="35000"/>
-                  </a:schemeClr>
-                </a:solidFill>
-                <a:latin typeface="Arial"/>
-                <a:cs typeface="Arial"/>
-              </a:rPr>
-              <a:t>correctly</a:t>
-            </a:r>
-            <a:endParaRPr lang="en-US" sz="2400" dirty="0">
-              <a:solidFill>
-                <a:schemeClr val="tx1">
-                  <a:lumMod val="65000"/>
-                  <a:lumOff val="35000"/>
-                </a:schemeClr>
-              </a:solidFill>
-              <a:latin typeface="Arial"/>
-              <a:cs typeface="Arial"/>
-            </a:endParaRPr>
-          </a:p>
-        </p:txBody>
-      </p:sp>
-      <p:sp>
-        <p:nvSpPr>
-          <p:cNvPr id="8" name="Left Brace 7"/>
-          <p:cNvSpPr/>
-          <p:nvPr/>
-        </p:nvSpPr>
-        <p:spPr>
-          <a:xfrm>
-            <a:off x="4884497" y="2300379"/>
-            <a:ext cx="257546" cy="1660771"/>
-          </a:xfrm>
-          <a:prstGeom prst="leftBrace">
-            <a:avLst>
-              <a:gd name="adj1" fmla="val 8333"/>
-              <a:gd name="adj2" fmla="val 48832"/>
-            </a:avLst>
-          </a:prstGeom>
-          <a:ln w="38100" cmpd="sng"/>
-          <a:effectLst/>
-        </p:spPr>
-        <p:style>
-          <a:lnRef idx="2">
-            <a:schemeClr val="accent1"/>
-          </a:lnRef>
-          <a:fillRef idx="0">
-            <a:schemeClr val="accent1"/>
-          </a:fillRef>
-          <a:effectRef idx="1">
-            <a:schemeClr val="accent1"/>
-          </a:effectRef>
-          <a:fontRef idx="minor">
-            <a:schemeClr val="tx1"/>
-          </a:fontRef>
-        </p:style>
-        <p:txBody>
-          <a:bodyPr rtlCol="0" anchor="ctr"/>
-          <a:lstStyle/>
-          <a:p>
-            <a:pPr algn="ctr"/>
-            <a:endParaRPr lang="en-US"/>
-          </a:p>
-        </p:txBody>
-      </p:sp>
-      <p:sp>
-        <p:nvSpPr>
-          <p:cNvPr id="9" name="Footer Placeholder 1"/>
-          <p:cNvSpPr>
-            <a:spLocks noGrp="1"/>
-          </p:cNvSpPr>
-          <p:nvPr>
-            <p:ph type="ftr" sz="quarter" idx="11"/>
-          </p:nvPr>
-        </p:nvSpPr>
-        <p:spPr>
-          <a:xfrm>
-            <a:off x="457200" y="4836826"/>
-            <a:ext cx="1594500" cy="273900"/>
-          </a:xfrm>
-        </p:spPr>
-        <p:txBody>
-          <a:bodyPr/>
-          <a:lstStyle/>
-          <a:p>
-            <a:r>
-              <a:rPr lang="en-US" dirty="0" smtClean="0"/>
-              <a:t>© </a:t>
-            </a:r>
-            <a:r>
-              <a:rPr lang="en-US" dirty="0" smtClean="0"/>
-              <a:t>2016 </a:t>
-            </a:r>
-            <a:r>
-              <a:rPr lang="en-US" dirty="0" smtClean="0"/>
-              <a:t>DataStax, All Rights Reserved.</a:t>
-            </a:r>
-            <a:endParaRPr lang="en-US" dirty="0"/>
-          </a:p>
-        </p:txBody>
-      </p:sp>
-    </p:spTree>
-    <p:extLst>
-      <p:ext uri="{BB962C8B-B14F-4D97-AF65-F5344CB8AC3E}">
-        <p14:creationId xmlns:p14="http://schemas.microsoft.com/office/powerpoint/2010/main" val="593117456"/>
-      </p:ext>
-    </p:extLst>
-  </p:cSld>
-  <p:clrMapOvr>
-    <a:masterClrMapping/>
-  </p:clrMapOvr>
-  <p:timing>
-    <p:tnLst>
-      <p:par>
-        <p:cTn id="1" dur="indefinite" restart="never" nodeType="tmRoot"/>
-      </p:par>
-    </p:tnLst>
-  </p:timing>
-</p:sld>
-</file>
-
-<file path=ppt/slides/slide11.xml><?xml version="1.0" encoding="utf-8"?>
-<p:sld xmlns:a="http://schemas.openxmlformats.org/drawingml/2006/main" xmlns:r="http://schemas.openxmlformats.org/officeDocument/2006/relationships" xmlns:p="http://schemas.openxmlformats.org/presentationml/2006/main">
-  <p:cSld>
-    <p:spTree>
-      <p:nvGrpSpPr>
-        <p:cNvPr id="1" name=""/>
-        <p:cNvGrpSpPr/>
-        <p:nvPr/>
-      </p:nvGrpSpPr>
-      <p:grpSpPr>
-        <a:xfrm>
-          <a:off x="0" y="0"/>
-          <a:ext cx="0" cy="0"/>
-          <a:chOff x="0" y="0"/>
-          <a:chExt cx="0" cy="0"/>
-        </a:xfrm>
-      </p:grpSpPr>
-      <p:sp>
-        <p:nvSpPr>
-          <p:cNvPr id="6" name="Title 5"/>
-          <p:cNvSpPr>
-            <a:spLocks noGrp="1"/>
-          </p:cNvSpPr>
-          <p:nvPr>
-            <p:ph type="title"/>
-          </p:nvPr>
-        </p:nvSpPr>
-        <p:spPr/>
-        <p:txBody>
-          <a:bodyPr>
-            <a:normAutofit fontScale="90000"/>
-          </a:bodyPr>
-          <a:lstStyle/>
-          <a:p>
-            <a:r>
-              <a:rPr lang="en-US" dirty="0"/>
-              <a:t>Getting Started</a:t>
-            </a:r>
-            <a:r>
-              <a:rPr lang="en-US" dirty="0" smtClean="0"/>
-              <a:t>: Pro-Tips</a:t>
-            </a:r>
-            <a:endParaRPr lang="en-US" dirty="0"/>
-          </a:p>
-        </p:txBody>
-      </p:sp>
-      <p:sp>
-        <p:nvSpPr>
-          <p:cNvPr id="7" name="Content Placeholder 6"/>
-          <p:cNvSpPr>
-            <a:spLocks noGrp="1"/>
-          </p:cNvSpPr>
-          <p:nvPr>
-            <p:ph sz="quarter" idx="1"/>
-          </p:nvPr>
-        </p:nvSpPr>
-        <p:spPr>
-          <a:xfrm>
-            <a:off x="381001" y="914400"/>
-            <a:ext cx="4769923" cy="3979308"/>
-          </a:xfrm>
-        </p:spPr>
-        <p:txBody>
-          <a:bodyPr>
-            <a:normAutofit/>
-          </a:bodyPr>
-          <a:lstStyle/>
-          <a:p>
-            <a:pPr>
-              <a:lnSpc>
-                <a:spcPct val="150000"/>
-              </a:lnSpc>
-            </a:pPr>
-            <a:r>
-              <a:rPr lang="en-US" sz="2400" dirty="0" smtClean="0"/>
-              <a:t>Use appropriate infrastructure</a:t>
-            </a:r>
-          </a:p>
-          <a:p>
-            <a:pPr>
-              <a:lnSpc>
-                <a:spcPct val="150000"/>
-              </a:lnSpc>
-            </a:pPr>
-            <a:r>
-              <a:rPr lang="en-US" sz="2400" dirty="0"/>
-              <a:t>Get your data model </a:t>
-            </a:r>
-            <a:r>
-              <a:rPr lang="en-US" sz="2400" dirty="0" smtClean="0"/>
-              <a:t>right</a:t>
-            </a:r>
-          </a:p>
-          <a:p>
-            <a:pPr>
-              <a:lnSpc>
-                <a:spcPct val="150000"/>
-              </a:lnSpc>
-            </a:pPr>
-            <a:r>
-              <a:rPr lang="en-US" sz="2400" dirty="0" smtClean="0"/>
-              <a:t>Know </a:t>
-            </a:r>
-            <a:r>
-              <a:rPr lang="en-US" sz="2400" dirty="0"/>
-              <a:t>the DataStax driver</a:t>
-            </a:r>
-          </a:p>
-          <a:p>
-            <a:pPr>
-              <a:lnSpc>
-                <a:spcPct val="150000"/>
-              </a:lnSpc>
-            </a:pPr>
-            <a:r>
-              <a:rPr lang="en-US" sz="2400" dirty="0"/>
-              <a:t>Code good query patterns</a:t>
-            </a:r>
-          </a:p>
-          <a:p>
-            <a:pPr>
-              <a:lnSpc>
-                <a:spcPct val="150000"/>
-              </a:lnSpc>
-            </a:pPr>
-            <a:r>
-              <a:rPr lang="en-US" sz="2400" b="1" dirty="0"/>
-              <a:t>Size your cluster </a:t>
-            </a:r>
-            <a:r>
-              <a:rPr lang="en-US" sz="2400" b="1" dirty="0" smtClean="0"/>
-              <a:t>correctly</a:t>
-            </a:r>
-            <a:endParaRPr lang="en-US" sz="2400" b="1" dirty="0"/>
-          </a:p>
-        </p:txBody>
-      </p:sp>
-      <p:sp>
-        <p:nvSpPr>
-          <p:cNvPr id="2" name="Rectangle 1"/>
-          <p:cNvSpPr/>
-          <p:nvPr/>
-        </p:nvSpPr>
-        <p:spPr>
-          <a:xfrm>
-            <a:off x="5266375" y="2625300"/>
-            <a:ext cx="3723041" cy="2431435"/>
-          </a:xfrm>
-          <a:prstGeom prst="rect">
-            <a:avLst/>
-          </a:prstGeom>
-        </p:spPr>
-        <p:txBody>
-          <a:bodyPr vert="horz" lIns="0" tIns="0" bIns="0">
-            <a:normAutofit/>
-          </a:bodyPr>
-          <a:lstStyle/>
-          <a:p>
-            <a:pPr>
-              <a:lnSpc>
-                <a:spcPct val="150000"/>
-              </a:lnSpc>
-              <a:spcBef>
-                <a:spcPts val="600"/>
-              </a:spcBef>
-              <a:buClr>
-                <a:schemeClr val="accent1"/>
-              </a:buClr>
-              <a:buSzPct val="76000"/>
-              <a:buFont typeface="Wingdings 3"/>
-              <a:buNone/>
-            </a:pPr>
-            <a:r>
-              <a:rPr lang="en-US" sz="2400" dirty="0" smtClean="0">
-                <a:solidFill>
-                  <a:schemeClr val="tx1">
-                    <a:lumMod val="65000"/>
-                    <a:lumOff val="35000"/>
-                  </a:schemeClr>
-                </a:solidFill>
-                <a:latin typeface="Arial"/>
-                <a:cs typeface="Arial"/>
-              </a:rPr>
-              <a:t>Correct number </a:t>
-            </a:r>
-            <a:r>
-              <a:rPr lang="en-US" sz="2400" dirty="0">
-                <a:solidFill>
-                  <a:schemeClr val="tx1">
-                    <a:lumMod val="65000"/>
-                    <a:lumOff val="35000"/>
-                  </a:schemeClr>
-                </a:solidFill>
-                <a:latin typeface="Arial"/>
-                <a:cs typeface="Arial"/>
-              </a:rPr>
-              <a:t>of </a:t>
-            </a:r>
-            <a:r>
-              <a:rPr lang="en-US" sz="2400" dirty="0" smtClean="0">
-                <a:solidFill>
-                  <a:schemeClr val="tx1">
-                    <a:lumMod val="65000"/>
-                    <a:lumOff val="35000"/>
-                  </a:schemeClr>
-                </a:solidFill>
-                <a:latin typeface="Arial"/>
-                <a:cs typeface="Arial"/>
-              </a:rPr>
-              <a:t>nodes</a:t>
-            </a:r>
-            <a:endParaRPr lang="en-US" sz="2400" dirty="0">
-              <a:solidFill>
-                <a:schemeClr val="tx1">
-                  <a:lumMod val="65000"/>
-                  <a:lumOff val="35000"/>
-                </a:schemeClr>
-              </a:solidFill>
-              <a:latin typeface="Arial"/>
-              <a:cs typeface="Arial"/>
-            </a:endParaRPr>
-          </a:p>
-          <a:p>
-            <a:pPr>
-              <a:lnSpc>
-                <a:spcPct val="150000"/>
-              </a:lnSpc>
-              <a:spcBef>
-                <a:spcPts val="600"/>
-              </a:spcBef>
-              <a:buClr>
-                <a:schemeClr val="accent1"/>
-              </a:buClr>
-              <a:buSzPct val="76000"/>
-              <a:buFont typeface="Wingdings 3"/>
-              <a:buNone/>
-            </a:pPr>
-            <a:r>
-              <a:rPr lang="en-US" sz="2400" dirty="0" smtClean="0">
-                <a:solidFill>
-                  <a:schemeClr val="tx1">
-                    <a:lumMod val="65000"/>
-                    <a:lumOff val="35000"/>
-                  </a:schemeClr>
-                </a:solidFill>
-                <a:latin typeface="Arial"/>
-                <a:cs typeface="Arial"/>
-              </a:rPr>
-              <a:t>Use </a:t>
-            </a:r>
-            <a:r>
-              <a:rPr lang="en-US" sz="2400" dirty="0">
-                <a:solidFill>
-                  <a:schemeClr val="tx1">
-                    <a:lumMod val="65000"/>
-                    <a:lumOff val="35000"/>
-                  </a:schemeClr>
-                </a:solidFill>
-                <a:latin typeface="Arial"/>
-                <a:cs typeface="Arial"/>
-              </a:rPr>
-              <a:t>default heap settings</a:t>
-            </a:r>
-          </a:p>
-          <a:p>
-            <a:pPr>
-              <a:lnSpc>
-                <a:spcPct val="150000"/>
-              </a:lnSpc>
-              <a:spcBef>
-                <a:spcPts val="600"/>
-              </a:spcBef>
-              <a:buClr>
-                <a:schemeClr val="accent1"/>
-              </a:buClr>
-              <a:buSzPct val="76000"/>
-              <a:buFont typeface="Wingdings 3"/>
-              <a:buNone/>
-            </a:pPr>
-            <a:r>
-              <a:rPr lang="en-US" sz="2400" dirty="0" smtClean="0">
-                <a:solidFill>
-                  <a:schemeClr val="tx1">
-                    <a:lumMod val="65000"/>
-                    <a:lumOff val="35000"/>
-                  </a:schemeClr>
-                </a:solidFill>
-                <a:latin typeface="Arial"/>
-                <a:cs typeface="Arial"/>
-              </a:rPr>
-              <a:t>Always </a:t>
-            </a:r>
-            <a:r>
-              <a:rPr lang="en-US" sz="2400" dirty="0">
-                <a:solidFill>
-                  <a:schemeClr val="tx1">
-                    <a:lumMod val="65000"/>
-                    <a:lumOff val="35000"/>
-                  </a:schemeClr>
-                </a:solidFill>
-                <a:latin typeface="Arial"/>
-                <a:cs typeface="Arial"/>
-              </a:rPr>
-              <a:t>load test</a:t>
-            </a:r>
-          </a:p>
-        </p:txBody>
-      </p:sp>
-      <p:sp>
-        <p:nvSpPr>
-          <p:cNvPr id="8" name="Left Brace 7"/>
-          <p:cNvSpPr/>
-          <p:nvPr/>
-        </p:nvSpPr>
-        <p:spPr>
-          <a:xfrm>
-            <a:off x="4884497" y="2780007"/>
-            <a:ext cx="257546" cy="1660771"/>
-          </a:xfrm>
-          <a:prstGeom prst="leftBrace">
-            <a:avLst>
-              <a:gd name="adj1" fmla="val 8333"/>
-              <a:gd name="adj2" fmla="val 60062"/>
-            </a:avLst>
-          </a:prstGeom>
-          <a:ln w="38100" cmpd="sng"/>
-          <a:effectLst/>
-        </p:spPr>
-        <p:style>
-          <a:lnRef idx="2">
-            <a:schemeClr val="accent1"/>
-          </a:lnRef>
-          <a:fillRef idx="0">
-            <a:schemeClr val="accent1"/>
-          </a:fillRef>
-          <a:effectRef idx="1">
-            <a:schemeClr val="accent1"/>
-          </a:effectRef>
-          <a:fontRef idx="minor">
-            <a:schemeClr val="tx1"/>
-          </a:fontRef>
-        </p:style>
-        <p:txBody>
-          <a:bodyPr rtlCol="0" anchor="ctr"/>
-          <a:lstStyle/>
-          <a:p>
-            <a:pPr algn="ctr"/>
-            <a:endParaRPr lang="en-US"/>
-          </a:p>
-        </p:txBody>
-      </p:sp>
-      <p:sp>
-        <p:nvSpPr>
-          <p:cNvPr id="9" name="Footer Placeholder 1"/>
-          <p:cNvSpPr>
-            <a:spLocks noGrp="1"/>
-          </p:cNvSpPr>
-          <p:nvPr>
-            <p:ph type="ftr" sz="quarter" idx="11"/>
-          </p:nvPr>
-        </p:nvSpPr>
-        <p:spPr>
-          <a:xfrm>
-            <a:off x="457200" y="4836826"/>
-            <a:ext cx="1594500" cy="273900"/>
-          </a:xfrm>
-        </p:spPr>
-        <p:txBody>
-          <a:bodyPr/>
-          <a:lstStyle/>
-          <a:p>
-            <a:r>
-              <a:rPr lang="en-US" dirty="0" smtClean="0"/>
-              <a:t>© </a:t>
-            </a:r>
-            <a:r>
-              <a:rPr lang="en-US" dirty="0" smtClean="0"/>
-              <a:t>2016 </a:t>
-            </a:r>
-            <a:r>
-              <a:rPr lang="en-US" dirty="0" smtClean="0"/>
-              <a:t>DataStax, All Rights Reserved.</a:t>
-            </a:r>
-            <a:endParaRPr lang="en-US" dirty="0"/>
-          </a:p>
-        </p:txBody>
-      </p:sp>
-    </p:spTree>
-    <p:extLst>
-      <p:ext uri="{BB962C8B-B14F-4D97-AF65-F5344CB8AC3E}">
-        <p14:creationId xmlns:p14="http://schemas.microsoft.com/office/powerpoint/2010/main" val="2053477265"/>
-      </p:ext>
-    </p:extLst>
-  </p:cSld>
-  <p:clrMapOvr>
-    <a:masterClrMapping/>
-  </p:clrMapOvr>
-  <p:timing>
-    <p:tnLst>
-      <p:par>
-        <p:cTn id="1" dur="indefinite" restart="never" nodeType="tmRoot"/>
-      </p:par>
-    </p:tnLst>
-  </p:timing>
-</p:sld>
-</file>
-
-<file path=ppt/slides/slide12.xml><?xml version="1.0" encoding="utf-8"?>
-<p:sld xmlns:a="http://schemas.openxmlformats.org/drawingml/2006/main" xmlns:r="http://schemas.openxmlformats.org/officeDocument/2006/relationships" xmlns:p="http://schemas.openxmlformats.org/presentationml/2006/main">
-  <p:cSld>
-    <p:spTree>
-      <p:nvGrpSpPr>
-        <p:cNvPr id="1" name=""/>
-        <p:cNvGrpSpPr/>
-        <p:nvPr/>
-      </p:nvGrpSpPr>
-      <p:grpSpPr>
-        <a:xfrm>
-          <a:off x="0" y="0"/>
-          <a:ext cx="0" cy="0"/>
-          <a:chOff x="0" y="0"/>
-          <a:chExt cx="0" cy="0"/>
-        </a:xfrm>
-      </p:grpSpPr>
-      <p:sp>
-        <p:nvSpPr>
-          <p:cNvPr id="6" name="Title 5"/>
-          <p:cNvSpPr>
-            <a:spLocks noGrp="1"/>
-          </p:cNvSpPr>
-          <p:nvPr>
-            <p:ph type="title"/>
-          </p:nvPr>
-        </p:nvSpPr>
-        <p:spPr/>
-        <p:txBody>
-          <a:bodyPr>
-            <a:normAutofit fontScale="90000"/>
-          </a:bodyPr>
-          <a:lstStyle/>
-          <a:p>
-            <a:r>
-              <a:rPr lang="en-US" dirty="0" smtClean="0"/>
-              <a:t>DSE Performance Basics</a:t>
-            </a:r>
-            <a:endParaRPr lang="en-US" dirty="0"/>
-          </a:p>
-        </p:txBody>
-      </p:sp>
-      <p:graphicFrame>
-        <p:nvGraphicFramePr>
-          <p:cNvPr id="3" name="Table 2"/>
-          <p:cNvGraphicFramePr>
-            <a:graphicFrameLocks noGrp="1"/>
-          </p:cNvGraphicFramePr>
-          <p:nvPr>
-            <p:extLst/>
-          </p:nvPr>
-        </p:nvGraphicFramePr>
-        <p:xfrm>
-          <a:off x="218507" y="1427900"/>
-          <a:ext cx="4150897" cy="3376992"/>
-        </p:xfrm>
-        <a:graphic>
-          <a:graphicData uri="http://schemas.openxmlformats.org/drawingml/2006/table">
-            <a:tbl>
-              <a:tblPr firstRow="1" bandRow="1">
-                <a:tableStyleId>{9DCAF9ED-07DC-4A11-8D7F-57B35C25682E}</a:tableStyleId>
-              </a:tblPr>
-              <a:tblGrid>
-                <a:gridCol w="4150897"/>
-              </a:tblGrid>
-              <a:tr h="844248">
-                <a:tc>
-                  <a:txBody>
-                    <a:bodyPr/>
-                    <a:lstStyle/>
-                    <a:p>
-                      <a:pPr marL="0" marR="0" indent="0" algn="ctr" defTabSz="914400" rtl="0" eaLnBrk="1" fontAlgn="auto" latinLnBrk="0" hangingPunct="1">
-                        <a:lnSpc>
-                          <a:spcPct val="100000"/>
-                        </a:lnSpc>
-                        <a:spcBef>
-                          <a:spcPts val="0"/>
-                        </a:spcBef>
-                        <a:spcAft>
-                          <a:spcPts val="0"/>
-                        </a:spcAft>
-                        <a:buClrTx/>
-                        <a:buSzTx/>
-                        <a:buFontTx/>
-                        <a:buNone/>
-                        <a:tabLst/>
-                        <a:defRPr/>
-                      </a:pPr>
-                      <a:r>
-                        <a:rPr lang="en-US" sz="2400" dirty="0" smtClean="0">
-                          <a:latin typeface="Helvetica Neue"/>
-                          <a:cs typeface="Helvetica Neue"/>
-                        </a:rPr>
-                        <a:t>More Throughput?</a:t>
-                      </a:r>
-                    </a:p>
-                    <a:p>
-                      <a:pPr marL="0" marR="0" indent="0" algn="ctr" defTabSz="914400" rtl="0" eaLnBrk="1" fontAlgn="auto" latinLnBrk="0" hangingPunct="1">
-                        <a:lnSpc>
-                          <a:spcPct val="100000"/>
-                        </a:lnSpc>
-                        <a:spcBef>
-                          <a:spcPts val="0"/>
-                        </a:spcBef>
-                        <a:spcAft>
-                          <a:spcPts val="0"/>
-                        </a:spcAft>
-                        <a:buClrTx/>
-                        <a:buSzTx/>
-                        <a:buFontTx/>
-                        <a:buNone/>
-                        <a:tabLst/>
-                        <a:defRPr/>
-                      </a:pPr>
-                      <a:r>
-                        <a:rPr lang="en-US" sz="2400" dirty="0" smtClean="0">
-                          <a:latin typeface="Helvetica Neue"/>
-                          <a:cs typeface="Helvetica Neue"/>
-                        </a:rPr>
-                        <a:t>More Data?</a:t>
-                      </a:r>
-                    </a:p>
-                  </a:txBody>
-                  <a:tcPr/>
-                </a:tc>
-              </a:tr>
-              <a:tr h="844248">
-                <a:tc>
-                  <a:txBody>
-                    <a:bodyPr/>
-                    <a:lstStyle/>
-                    <a:p>
-                      <a:r>
-                        <a:rPr lang="en-US" dirty="0" smtClean="0">
-                          <a:solidFill>
-                            <a:schemeClr val="tx1">
-                              <a:lumMod val="75000"/>
-                              <a:lumOff val="25000"/>
-                            </a:schemeClr>
-                          </a:solidFill>
-                          <a:latin typeface="Helvetica Neue"/>
-                          <a:cs typeface="Helvetica Neue"/>
-                        </a:rPr>
-                        <a:t>Use more nodes (scale out)</a:t>
-                      </a:r>
-                    </a:p>
-                  </a:txBody>
-                  <a:tcPr anchor="ctr"/>
-                </a:tc>
-              </a:tr>
-              <a:tr h="844248">
-                <a:tc>
-                  <a:txBody>
-                    <a:bodyPr/>
-                    <a:lstStyle/>
-                    <a:p>
-                      <a:r>
-                        <a:rPr lang="en-US" dirty="0" smtClean="0">
-                          <a:solidFill>
-                            <a:schemeClr val="tx1">
-                              <a:lumMod val="75000"/>
-                              <a:lumOff val="25000"/>
-                            </a:schemeClr>
-                          </a:solidFill>
-                          <a:latin typeface="Helvetica Neue"/>
-                          <a:cs typeface="Helvetica Neue"/>
-                        </a:rPr>
-                        <a:t>Do not use too big nodes (</a:t>
-                      </a:r>
-                      <a:r>
-                        <a:rPr lang="en-US" strike="sngStrike" dirty="0" smtClean="0">
-                          <a:solidFill>
-                            <a:schemeClr val="tx1">
-                              <a:lumMod val="75000"/>
-                              <a:lumOff val="25000"/>
-                            </a:schemeClr>
-                          </a:solidFill>
-                          <a:latin typeface="Helvetica Neue"/>
-                          <a:cs typeface="Helvetica Neue"/>
-                        </a:rPr>
-                        <a:t>scale up</a:t>
-                      </a:r>
-                      <a:r>
-                        <a:rPr lang="en-US" dirty="0" smtClean="0">
-                          <a:solidFill>
-                            <a:schemeClr val="tx1">
-                              <a:lumMod val="75000"/>
-                              <a:lumOff val="25000"/>
-                            </a:schemeClr>
-                          </a:solidFill>
-                          <a:latin typeface="Helvetica Neue"/>
-                          <a:cs typeface="Helvetica Neue"/>
-                        </a:rPr>
-                        <a:t>)</a:t>
-                      </a:r>
-                      <a:endParaRPr lang="en-US" dirty="0">
-                        <a:solidFill>
-                          <a:schemeClr val="tx1">
-                            <a:lumMod val="75000"/>
-                            <a:lumOff val="25000"/>
-                          </a:schemeClr>
-                        </a:solidFill>
-                        <a:latin typeface="Helvetica Neue"/>
-                        <a:cs typeface="Helvetica Neue"/>
-                      </a:endParaRPr>
-                    </a:p>
-                  </a:txBody>
-                  <a:tcPr anchor="ctr"/>
-                </a:tc>
-              </a:tr>
-              <a:tr h="844248">
-                <a:tc>
-                  <a:txBody>
-                    <a:bodyPr/>
-                    <a:lstStyle/>
-                    <a:p>
-                      <a:pPr marL="0" marR="0" indent="0" algn="l" defTabSz="914400" rtl="0" eaLnBrk="1" fontAlgn="auto" latinLnBrk="0" hangingPunct="1">
-                        <a:lnSpc>
-                          <a:spcPct val="100000"/>
-                        </a:lnSpc>
-                        <a:spcBef>
-                          <a:spcPts val="0"/>
-                        </a:spcBef>
-                        <a:spcAft>
-                          <a:spcPts val="0"/>
-                        </a:spcAft>
-                        <a:buClrTx/>
-                        <a:buSzTx/>
-                        <a:buFontTx/>
-                        <a:buNone/>
-                        <a:tabLst/>
-                        <a:defRPr/>
-                      </a:pPr>
-                      <a:r>
-                        <a:rPr lang="en-US" dirty="0" smtClean="0">
-                          <a:solidFill>
-                            <a:schemeClr val="tx1">
-                              <a:lumMod val="75000"/>
-                              <a:lumOff val="25000"/>
-                            </a:schemeClr>
-                          </a:solidFill>
-                          <a:latin typeface="Helvetica Neue"/>
-                          <a:cs typeface="Helvetica Neue"/>
-                        </a:rPr>
-                        <a:t>Know Cassandra ops best practices</a:t>
-                      </a:r>
-                    </a:p>
-                    <a:p>
-                      <a:pPr marL="0" marR="0" indent="0" algn="l" defTabSz="914400" rtl="0" eaLnBrk="1" fontAlgn="auto" latinLnBrk="0" hangingPunct="1">
-                        <a:lnSpc>
-                          <a:spcPct val="100000"/>
-                        </a:lnSpc>
-                        <a:spcBef>
-                          <a:spcPts val="0"/>
-                        </a:spcBef>
-                        <a:spcAft>
-                          <a:spcPts val="0"/>
-                        </a:spcAft>
-                        <a:buClrTx/>
-                        <a:buSzTx/>
-                        <a:buFontTx/>
-                        <a:buNone/>
-                        <a:tabLst/>
-                        <a:defRPr/>
-                      </a:pPr>
-                      <a:r>
-                        <a:rPr lang="en-US" dirty="0" smtClean="0">
-                          <a:solidFill>
-                            <a:schemeClr val="tx1">
-                              <a:lumMod val="75000"/>
-                              <a:lumOff val="25000"/>
-                            </a:schemeClr>
-                          </a:solidFill>
-                          <a:latin typeface="Helvetica Neue"/>
-                          <a:cs typeface="Helvetica Neue"/>
-                        </a:rPr>
-                        <a:t>Use </a:t>
-                      </a:r>
-                      <a:r>
-                        <a:rPr lang="en-US" dirty="0" err="1" smtClean="0">
-                          <a:solidFill>
-                            <a:schemeClr val="tx1">
-                              <a:lumMod val="75000"/>
-                              <a:lumOff val="25000"/>
-                            </a:schemeClr>
-                          </a:solidFill>
-                          <a:latin typeface="Helvetica Neue"/>
-                          <a:cs typeface="Helvetica Neue"/>
-                        </a:rPr>
-                        <a:t>OpsCenter</a:t>
-                      </a:r>
-                      <a:r>
-                        <a:rPr lang="en-US" dirty="0" smtClean="0">
-                          <a:solidFill>
-                            <a:schemeClr val="tx1">
-                              <a:lumMod val="75000"/>
-                              <a:lumOff val="25000"/>
-                            </a:schemeClr>
-                          </a:solidFill>
-                          <a:latin typeface="Helvetica Neue"/>
-                          <a:cs typeface="Helvetica Neue"/>
-                        </a:rPr>
-                        <a:t> to monitor, alert, repair</a:t>
-                      </a:r>
-                    </a:p>
-                  </a:txBody>
-                  <a:tcPr anchor="ctr"/>
-                </a:tc>
-              </a:tr>
-            </a:tbl>
-          </a:graphicData>
-        </a:graphic>
-      </p:graphicFrame>
-      <p:graphicFrame>
-        <p:nvGraphicFramePr>
-          <p:cNvPr id="8" name="Table 7"/>
-          <p:cNvGraphicFramePr>
-            <a:graphicFrameLocks noGrp="1"/>
-          </p:cNvGraphicFramePr>
-          <p:nvPr>
-            <p:extLst/>
-          </p:nvPr>
-        </p:nvGraphicFramePr>
-        <p:xfrm>
-          <a:off x="4518289" y="1429316"/>
-          <a:ext cx="4273805" cy="3375579"/>
-        </p:xfrm>
-        <a:graphic>
-          <a:graphicData uri="http://schemas.openxmlformats.org/drawingml/2006/table">
-            <a:tbl>
-              <a:tblPr firstRow="1" bandRow="1">
-                <a:tableStyleId>{9DCAF9ED-07DC-4A11-8D7F-57B35C25682E}</a:tableStyleId>
-              </a:tblPr>
-              <a:tblGrid>
-                <a:gridCol w="4273805"/>
-              </a:tblGrid>
-              <a:tr h="856055">
-                <a:tc>
-                  <a:txBody>
-                    <a:bodyPr/>
-                    <a:lstStyle/>
-                    <a:p>
-                      <a:pPr marL="0" marR="0" indent="0" algn="ctr" defTabSz="914400" rtl="0" eaLnBrk="1" fontAlgn="auto" latinLnBrk="0" hangingPunct="1">
-                        <a:lnSpc>
-                          <a:spcPct val="100000"/>
-                        </a:lnSpc>
-                        <a:spcBef>
-                          <a:spcPts val="0"/>
-                        </a:spcBef>
-                        <a:spcAft>
-                          <a:spcPts val="0"/>
-                        </a:spcAft>
-                        <a:buClrTx/>
-                        <a:buSzTx/>
-                        <a:buFontTx/>
-                        <a:buNone/>
-                        <a:tabLst/>
-                        <a:defRPr/>
-                      </a:pPr>
-                      <a:r>
-                        <a:rPr lang="en-US" sz="2400" dirty="0" smtClean="0">
-                          <a:solidFill>
-                            <a:schemeClr val="bg1"/>
-                          </a:solidFill>
-                          <a:latin typeface="Helvetica Neue"/>
-                          <a:cs typeface="Helvetica Neue"/>
-                        </a:rPr>
-                        <a:t>Faster Operations?</a:t>
-                      </a:r>
-                    </a:p>
-                    <a:p>
-                      <a:pPr marL="0" marR="0" indent="0" algn="ctr" defTabSz="914400" rtl="0" eaLnBrk="1" fontAlgn="auto" latinLnBrk="0" hangingPunct="1">
-                        <a:lnSpc>
-                          <a:spcPct val="100000"/>
-                        </a:lnSpc>
-                        <a:spcBef>
-                          <a:spcPts val="0"/>
-                        </a:spcBef>
-                        <a:spcAft>
-                          <a:spcPts val="0"/>
-                        </a:spcAft>
-                        <a:buClrTx/>
-                        <a:buSzTx/>
-                        <a:buFontTx/>
-                        <a:buNone/>
-                        <a:tabLst/>
-                        <a:defRPr/>
-                      </a:pPr>
-                      <a:r>
-                        <a:rPr lang="en-US" sz="2400" dirty="0" smtClean="0">
-                          <a:solidFill>
-                            <a:schemeClr val="bg1"/>
-                          </a:solidFill>
-                          <a:latin typeface="Helvetica Neue"/>
-                          <a:cs typeface="Helvetica Neue"/>
-                        </a:rPr>
-                        <a:t>Predictable Latency?</a:t>
-                      </a:r>
-                    </a:p>
-                  </a:txBody>
-                  <a:tcPr/>
-                </a:tc>
-              </a:tr>
-              <a:tr h="629881">
-                <a:tc>
-                  <a:txBody>
-                    <a:bodyPr/>
-                    <a:lstStyle/>
-                    <a:p>
-                      <a:r>
-                        <a:rPr lang="en-US" sz="1800" dirty="0" smtClean="0">
-                          <a:solidFill>
-                            <a:schemeClr val="tx1">
-                              <a:lumMod val="75000"/>
-                              <a:lumOff val="25000"/>
-                            </a:schemeClr>
-                          </a:solidFill>
-                          <a:latin typeface="Helvetica Neue"/>
-                          <a:cs typeface="Helvetica Neue"/>
-                        </a:rPr>
-                        <a:t>Check your data model and queries</a:t>
-                      </a:r>
-                    </a:p>
-                  </a:txBody>
-                  <a:tcPr anchor="ctr"/>
-                </a:tc>
-              </a:tr>
-              <a:tr h="629881">
-                <a:tc>
-                  <a:txBody>
-                    <a:bodyPr/>
-                    <a:lstStyle/>
-                    <a:p>
-                      <a:r>
-                        <a:rPr lang="en-US" sz="1800" dirty="0" smtClean="0">
-                          <a:solidFill>
-                            <a:schemeClr val="tx1">
-                              <a:lumMod val="75000"/>
-                              <a:lumOff val="25000"/>
-                            </a:schemeClr>
-                          </a:solidFill>
-                          <a:latin typeface="Helvetica Neue"/>
-                          <a:cs typeface="Helvetica Neue"/>
-                        </a:rPr>
-                        <a:t>Use asynchronous queries</a:t>
-                      </a:r>
-                    </a:p>
-                  </a:txBody>
-                  <a:tcPr anchor="ctr"/>
-                </a:tc>
-              </a:tr>
-              <a:tr h="629881">
-                <a:tc>
-                  <a:txBody>
-                    <a:bodyPr/>
-                    <a:lstStyle/>
-                    <a:p>
-                      <a:r>
-                        <a:rPr lang="en-US" sz="1800" dirty="0" smtClean="0">
-                          <a:solidFill>
-                            <a:schemeClr val="tx1">
-                              <a:lumMod val="75000"/>
-                              <a:lumOff val="25000"/>
-                            </a:schemeClr>
-                          </a:solidFill>
-                          <a:latin typeface="Helvetica Neue"/>
-                          <a:cs typeface="Helvetica Neue"/>
-                        </a:rPr>
-                        <a:t>Use prepared statements</a:t>
-                      </a:r>
-                    </a:p>
-                  </a:txBody>
-                  <a:tcPr anchor="ctr"/>
-                </a:tc>
-              </a:tr>
-              <a:tr h="629881">
-                <a:tc>
-                  <a:txBody>
-                    <a:bodyPr/>
-                    <a:lstStyle/>
-                    <a:p>
-                      <a:r>
-                        <a:rPr lang="en-US" sz="1800" dirty="0" smtClean="0">
-                          <a:solidFill>
-                            <a:schemeClr val="tx1">
-                              <a:lumMod val="75000"/>
-                              <a:lumOff val="25000"/>
-                            </a:schemeClr>
-                          </a:solidFill>
-                          <a:latin typeface="Helvetica Neue"/>
-                          <a:cs typeface="Helvetica Neue"/>
-                        </a:rPr>
-                        <a:t>Compaction tuning or </a:t>
-                      </a:r>
-                      <a:r>
-                        <a:rPr lang="en-US" sz="1800" i="1" dirty="0" smtClean="0">
-                          <a:solidFill>
-                            <a:schemeClr val="tx1">
-                              <a:lumMod val="75000"/>
-                              <a:lumOff val="25000"/>
-                            </a:schemeClr>
-                          </a:solidFill>
-                          <a:latin typeface="Helvetica Neue"/>
-                          <a:cs typeface="Helvetica Neue"/>
-                        </a:rPr>
-                        <a:t>maybe</a:t>
-                      </a:r>
-                      <a:r>
-                        <a:rPr lang="en-US" sz="1800" dirty="0" smtClean="0">
-                          <a:solidFill>
-                            <a:schemeClr val="tx1">
-                              <a:lumMod val="75000"/>
-                              <a:lumOff val="25000"/>
-                            </a:schemeClr>
-                          </a:solidFill>
-                          <a:latin typeface="Helvetica Neue"/>
-                          <a:cs typeface="Helvetica Neue"/>
-                        </a:rPr>
-                        <a:t> strategy</a:t>
-                      </a:r>
-                    </a:p>
-                  </a:txBody>
-                  <a:tcPr anchor="ctr"/>
-                </a:tc>
-              </a:tr>
-            </a:tbl>
-          </a:graphicData>
-        </a:graphic>
-      </p:graphicFrame>
-      <p:sp>
-        <p:nvSpPr>
-          <p:cNvPr id="9" name="Content Placeholder 6"/>
-          <p:cNvSpPr>
-            <a:spLocks noGrp="1"/>
-          </p:cNvSpPr>
-          <p:nvPr>
-            <p:ph sz="quarter" idx="1"/>
-          </p:nvPr>
-        </p:nvSpPr>
-        <p:spPr>
-          <a:xfrm>
-            <a:off x="1073711" y="772296"/>
-            <a:ext cx="6483938" cy="524403"/>
-          </a:xfrm>
-        </p:spPr>
-        <p:txBody>
-          <a:bodyPr>
-            <a:normAutofit fontScale="92500"/>
-          </a:bodyPr>
-          <a:lstStyle/>
-          <a:p>
-            <a:pPr algn="ctr"/>
-            <a:r>
-              <a:rPr lang="en-US" sz="2400" dirty="0" smtClean="0"/>
-              <a:t>Can DSE be both bigger and faster? Yes it can.</a:t>
-            </a:r>
-            <a:endParaRPr lang="en-US" sz="2400" dirty="0"/>
-          </a:p>
-        </p:txBody>
-      </p:sp>
-      <p:sp>
-        <p:nvSpPr>
-          <p:cNvPr id="10" name="Footer Placeholder 1"/>
-          <p:cNvSpPr>
-            <a:spLocks noGrp="1"/>
-          </p:cNvSpPr>
-          <p:nvPr>
-            <p:ph type="ftr" sz="quarter" idx="11"/>
-          </p:nvPr>
-        </p:nvSpPr>
-        <p:spPr>
-          <a:xfrm>
-            <a:off x="457200" y="4836826"/>
-            <a:ext cx="1594500" cy="273900"/>
-          </a:xfrm>
-        </p:spPr>
-        <p:txBody>
-          <a:bodyPr/>
-          <a:lstStyle/>
-          <a:p>
-            <a:r>
-              <a:rPr lang="en-US" dirty="0" smtClean="0"/>
-              <a:t>© </a:t>
-            </a:r>
-            <a:r>
-              <a:rPr lang="en-US" dirty="0" smtClean="0"/>
-              <a:t>2016 </a:t>
-            </a:r>
-            <a:r>
-              <a:rPr lang="en-US" dirty="0" smtClean="0"/>
-              <a:t>DataStax, All Rights Reserved.</a:t>
-            </a:r>
-            <a:endParaRPr lang="en-US" dirty="0"/>
-          </a:p>
-        </p:txBody>
-      </p:sp>
-    </p:spTree>
-    <p:extLst>
-      <p:ext uri="{BB962C8B-B14F-4D97-AF65-F5344CB8AC3E}">
-        <p14:creationId xmlns:p14="http://schemas.microsoft.com/office/powerpoint/2010/main" val="582701918"/>
-      </p:ext>
-    </p:extLst>
-  </p:cSld>
-  <p:clrMapOvr>
-    <a:masterClrMapping/>
-  </p:clrMapOvr>
-  <p:timing>
-    <p:tnLst>
-      <p:par>
-        <p:cTn id="1" dur="indefinite" restart="never" nodeType="tmRoot"/>
-      </p:par>
-    </p:tnLst>
-  </p:timing>
-</p:sld>
-</file>
-
-<file path=ppt/slides/slide13.xml><?xml version="1.0" encoding="utf-8"?>
-<p:sld xmlns:a="http://schemas.openxmlformats.org/drawingml/2006/main" xmlns:r="http://schemas.openxmlformats.org/officeDocument/2006/relationships" xmlns:p="http://schemas.openxmlformats.org/presentationml/2006/main">
-  <p:cSld>
-    <p:spTree>
-      <p:nvGrpSpPr>
-        <p:cNvPr id="1" name=""/>
-        <p:cNvGrpSpPr/>
-        <p:nvPr/>
-      </p:nvGrpSpPr>
-      <p:grpSpPr>
-        <a:xfrm>
-          <a:off x="0" y="0"/>
-          <a:ext cx="0" cy="0"/>
-          <a:chOff x="0" y="0"/>
-          <a:chExt cx="0" cy="0"/>
-        </a:xfrm>
-      </p:grpSpPr>
-      <p:sp>
-        <p:nvSpPr>
-          <p:cNvPr id="2" name="Title 1"/>
-          <p:cNvSpPr>
-            <a:spLocks noGrp="1"/>
-          </p:cNvSpPr>
-          <p:nvPr>
-            <p:ph type="title"/>
-          </p:nvPr>
-        </p:nvSpPr>
-        <p:spPr/>
-        <p:txBody>
-          <a:bodyPr/>
-          <a:lstStyle/>
-          <a:p>
-            <a:r>
-              <a:rPr lang="en-US" dirty="0" smtClean="0"/>
-              <a:t>Take DataStax Ops Training. It’s Free.</a:t>
-            </a:r>
-            <a:endParaRPr lang="en-US" dirty="0"/>
-          </a:p>
-        </p:txBody>
-      </p:sp>
-      <p:sp>
-        <p:nvSpPr>
-          <p:cNvPr id="3" name="Content Placeholder 2"/>
-          <p:cNvSpPr>
-            <a:spLocks noGrp="1"/>
-          </p:cNvSpPr>
-          <p:nvPr>
-            <p:ph idx="1"/>
-          </p:nvPr>
-        </p:nvSpPr>
-        <p:spPr/>
-        <p:txBody>
-          <a:bodyPr>
-            <a:normAutofit/>
-          </a:bodyPr>
-          <a:lstStyle/>
-          <a:p>
-            <a:pPr>
-              <a:lnSpc>
-                <a:spcPct val="150000"/>
-              </a:lnSpc>
-            </a:pPr>
-            <a:r>
-              <a:rPr lang="en-US" sz="2400" dirty="0" smtClean="0"/>
-              <a:t>Deploy your cluster correctly</a:t>
-            </a:r>
-          </a:p>
-          <a:p>
-            <a:pPr>
-              <a:lnSpc>
-                <a:spcPct val="150000"/>
-              </a:lnSpc>
-            </a:pPr>
-            <a:r>
-              <a:rPr lang="en-US" sz="2400" dirty="0" smtClean="0"/>
-              <a:t>Monitor and alert the right metrics</a:t>
-            </a:r>
-          </a:p>
-          <a:p>
-            <a:pPr>
-              <a:lnSpc>
-                <a:spcPct val="150000"/>
-              </a:lnSpc>
-            </a:pPr>
-            <a:r>
-              <a:rPr lang="en-US" sz="2400" dirty="0" smtClean="0"/>
-              <a:t>Use repair correctly</a:t>
-            </a:r>
-          </a:p>
-          <a:p>
-            <a:pPr>
-              <a:lnSpc>
-                <a:spcPct val="150000"/>
-              </a:lnSpc>
-            </a:pPr>
-            <a:r>
-              <a:rPr lang="en-US" sz="2400" dirty="0" smtClean="0"/>
-              <a:t>Scale out</a:t>
-            </a:r>
-          </a:p>
-        </p:txBody>
-      </p:sp>
-      <p:pic>
-        <p:nvPicPr>
-          <p:cNvPr id="6" name="Content Placeholder 8"/>
-          <p:cNvPicPr>
-            <a:picLocks noChangeAspect="1"/>
-          </p:cNvPicPr>
-          <p:nvPr/>
-        </p:nvPicPr>
-        <p:blipFill>
-          <a:blip r:embed="rId2"/>
-          <a:stretch>
-            <a:fillRect/>
-          </a:stretch>
-        </p:blipFill>
-        <p:spPr>
-          <a:xfrm>
-            <a:off x="3509919" y="2344569"/>
-            <a:ext cx="5172012" cy="2460323"/>
-          </a:xfrm>
-          <a:prstGeom prst="rect">
-            <a:avLst/>
-          </a:prstGeom>
-        </p:spPr>
-      </p:pic>
-      <p:sp>
-        <p:nvSpPr>
-          <p:cNvPr id="7" name="Footer Placeholder 1"/>
-          <p:cNvSpPr>
-            <a:spLocks noGrp="1"/>
-          </p:cNvSpPr>
-          <p:nvPr>
-            <p:ph type="ftr" sz="quarter" idx="11"/>
-          </p:nvPr>
-        </p:nvSpPr>
-        <p:spPr>
-          <a:xfrm>
-            <a:off x="457200" y="4836826"/>
-            <a:ext cx="1594500" cy="273900"/>
-          </a:xfrm>
-        </p:spPr>
-        <p:txBody>
-          <a:bodyPr/>
-          <a:lstStyle/>
-          <a:p>
-            <a:r>
-              <a:rPr lang="en-US" dirty="0" smtClean="0"/>
-              <a:t>© </a:t>
-            </a:r>
-            <a:r>
-              <a:rPr lang="en-US" dirty="0" smtClean="0"/>
-              <a:t>2016 </a:t>
-            </a:r>
-            <a:r>
-              <a:rPr lang="en-US" dirty="0" smtClean="0"/>
-              <a:t>DataStax, All Rights Reserved.</a:t>
-            </a:r>
-            <a:endParaRPr lang="en-US" dirty="0"/>
-          </a:p>
-        </p:txBody>
-      </p:sp>
-    </p:spTree>
-    <p:extLst>
-      <p:ext uri="{BB962C8B-B14F-4D97-AF65-F5344CB8AC3E}">
-        <p14:creationId xmlns:p14="http://schemas.microsoft.com/office/powerpoint/2010/main" val="945705506"/>
-      </p:ext>
-    </p:extLst>
-  </p:cSld>
-  <p:clrMapOvr>
-    <a:masterClrMapping/>
-  </p:clrMapOvr>
-  <p:timing>
-    <p:tnLst>
-      <p:par>
-        <p:cTn id="1" dur="indefinite" restart="never" nodeType="tmRoot"/>
-      </p:par>
-    </p:tnLst>
-  </p:timing>
-</p:sld>
-</file>
-
-<file path=ppt/slides/slide14.xml><?xml version="1.0" encoding="utf-8"?>
-<p:sld xmlns:a="http://schemas.openxmlformats.org/drawingml/2006/main" xmlns:r="http://schemas.openxmlformats.org/officeDocument/2006/relationships" xmlns:p="http://schemas.openxmlformats.org/presentationml/2006/main">
-  <p:cSld>
-    <p:spTree>
-      <p:nvGrpSpPr>
-        <p:cNvPr id="1" name=""/>
-        <p:cNvGrpSpPr/>
-        <p:nvPr/>
-      </p:nvGrpSpPr>
-      <p:grpSpPr>
-        <a:xfrm>
-          <a:off x="0" y="0"/>
-          <a:ext cx="0" cy="0"/>
-          <a:chOff x="0" y="0"/>
-          <a:chExt cx="0" cy="0"/>
-        </a:xfrm>
-      </p:grpSpPr>
-      <p:sp>
-        <p:nvSpPr>
-          <p:cNvPr id="4" name="Title 3"/>
-          <p:cNvSpPr>
-            <a:spLocks noGrp="1"/>
-          </p:cNvSpPr>
-          <p:nvPr>
-            <p:ph type="title"/>
-          </p:nvPr>
-        </p:nvSpPr>
-        <p:spPr/>
-        <p:txBody>
-          <a:bodyPr>
-            <a:normAutofit fontScale="90000"/>
-          </a:bodyPr>
-          <a:lstStyle/>
-          <a:p>
-            <a:r>
-              <a:rPr lang="en-US" dirty="0" smtClean="0"/>
-              <a:t>Why DSE Instead of Open Source?</a:t>
-            </a:r>
-            <a:endParaRPr lang="en-US" dirty="0"/>
-          </a:p>
-        </p:txBody>
-      </p:sp>
-      <p:sp>
-        <p:nvSpPr>
-          <p:cNvPr id="11" name="Content Placeholder 14"/>
-          <p:cNvSpPr>
-            <a:spLocks noGrp="1"/>
-          </p:cNvSpPr>
-          <p:nvPr>
-            <p:ph sz="quarter" idx="1"/>
-          </p:nvPr>
-        </p:nvSpPr>
-        <p:spPr>
-          <a:xfrm>
-            <a:off x="5147817" y="997207"/>
-            <a:ext cx="3710256" cy="3967553"/>
-          </a:xfrm>
-        </p:spPr>
-        <p:txBody>
-          <a:bodyPr>
-            <a:normAutofit/>
-          </a:bodyPr>
-          <a:lstStyle/>
-          <a:p>
-            <a:r>
-              <a:rPr lang="en-US" dirty="0" smtClean="0"/>
-              <a:t>Time to Market</a:t>
-            </a:r>
-            <a:endParaRPr lang="en-US" dirty="0"/>
-          </a:p>
-          <a:p>
-            <a:r>
-              <a:rPr lang="en-US" dirty="0"/>
-              <a:t>    </a:t>
-            </a:r>
-            <a:r>
-              <a:rPr lang="en-US" dirty="0">
-                <a:solidFill>
-                  <a:schemeClr val="accent2"/>
-                </a:solidFill>
-              </a:rPr>
-              <a:t>We built the </a:t>
-            </a:r>
-          </a:p>
-          <a:p>
-            <a:r>
-              <a:rPr lang="en-US" dirty="0">
-                <a:solidFill>
-                  <a:schemeClr val="accent2"/>
-                </a:solidFill>
-              </a:rPr>
-              <a:t>    integrations for </a:t>
-            </a:r>
-            <a:r>
-              <a:rPr lang="en-US" dirty="0" smtClean="0">
-                <a:solidFill>
-                  <a:schemeClr val="accent2"/>
-                </a:solidFill>
-              </a:rPr>
-              <a:t>you.</a:t>
-            </a:r>
-            <a:endParaRPr lang="en-US" dirty="0">
-              <a:solidFill>
-                <a:schemeClr val="accent2"/>
-              </a:solidFill>
-            </a:endParaRPr>
-          </a:p>
-          <a:p>
-            <a:endParaRPr lang="en-US" dirty="0" smtClean="0"/>
-          </a:p>
-          <a:p>
-            <a:r>
-              <a:rPr lang="en-US" dirty="0" smtClean="0"/>
-              <a:t>Lower </a:t>
-            </a:r>
-            <a:r>
-              <a:rPr lang="en-US" dirty="0"/>
-              <a:t>TCO</a:t>
-            </a:r>
-          </a:p>
-          <a:p>
-            <a:r>
-              <a:rPr lang="en-US" dirty="0">
-                <a:solidFill>
-                  <a:schemeClr val="accent2"/>
-                </a:solidFill>
-              </a:rPr>
-              <a:t>    It’s easy to </a:t>
-            </a:r>
-            <a:r>
-              <a:rPr lang="en-US" dirty="0" smtClean="0">
-                <a:solidFill>
-                  <a:schemeClr val="accent2"/>
-                </a:solidFill>
-              </a:rPr>
-              <a:t>operate.</a:t>
-            </a:r>
-            <a:endParaRPr lang="en-US" dirty="0">
-              <a:solidFill>
-                <a:schemeClr val="accent2"/>
-              </a:solidFill>
-            </a:endParaRPr>
-          </a:p>
-          <a:p>
-            <a:r>
-              <a:rPr lang="en-US" dirty="0" smtClean="0">
-                <a:solidFill>
-                  <a:schemeClr val="accent2"/>
-                </a:solidFill>
-              </a:rPr>
-              <a:t>    Open source code </a:t>
-            </a:r>
-          </a:p>
-          <a:p>
-            <a:r>
-              <a:rPr lang="en-US" dirty="0">
-                <a:solidFill>
-                  <a:schemeClr val="accent2"/>
-                </a:solidFill>
-              </a:rPr>
-              <a:t> </a:t>
-            </a:r>
-            <a:r>
-              <a:rPr lang="en-US" dirty="0" smtClean="0">
-                <a:solidFill>
-                  <a:schemeClr val="accent2"/>
-                </a:solidFill>
-              </a:rPr>
-              <a:t>   can be painful.</a:t>
-            </a:r>
-            <a:endParaRPr lang="en-US" dirty="0"/>
-          </a:p>
-        </p:txBody>
-      </p:sp>
-      <p:pic>
-        <p:nvPicPr>
-          <p:cNvPr id="19" name="Picture 18"/>
-          <p:cNvPicPr>
-            <a:picLocks noChangeAspect="1"/>
-          </p:cNvPicPr>
-          <p:nvPr/>
-        </p:nvPicPr>
-        <p:blipFill>
-          <a:blip r:embed="rId3"/>
-          <a:stretch>
-            <a:fillRect/>
-          </a:stretch>
-        </p:blipFill>
-        <p:spPr>
-          <a:xfrm>
-            <a:off x="648116" y="907511"/>
-            <a:ext cx="4047133" cy="3984289"/>
-          </a:xfrm>
-          <a:prstGeom prst="rect">
-            <a:avLst/>
-          </a:prstGeom>
-        </p:spPr>
-      </p:pic>
-      <p:sp>
-        <p:nvSpPr>
-          <p:cNvPr id="7" name="Footer Placeholder 1"/>
-          <p:cNvSpPr>
-            <a:spLocks noGrp="1"/>
-          </p:cNvSpPr>
-          <p:nvPr>
-            <p:ph type="ftr" sz="quarter" idx="11"/>
-          </p:nvPr>
-        </p:nvSpPr>
-        <p:spPr>
-          <a:xfrm>
-            <a:off x="457200" y="4836826"/>
-            <a:ext cx="1594500" cy="273900"/>
-          </a:xfrm>
-        </p:spPr>
-        <p:txBody>
-          <a:bodyPr/>
-          <a:lstStyle/>
-          <a:p>
-            <a:r>
-              <a:rPr lang="en-US" dirty="0" smtClean="0"/>
-              <a:t>© </a:t>
-            </a:r>
-            <a:r>
-              <a:rPr lang="en-US" dirty="0" smtClean="0"/>
-              <a:t>2016 </a:t>
-            </a:r>
-            <a:r>
-              <a:rPr lang="en-US" dirty="0" smtClean="0"/>
-              <a:t>DataStax, All Rights Reserved.</a:t>
-            </a:r>
-            <a:endParaRPr lang="en-US" dirty="0"/>
-          </a:p>
-        </p:txBody>
-      </p:sp>
-    </p:spTree>
-    <p:extLst>
-      <p:ext uri="{BB962C8B-B14F-4D97-AF65-F5344CB8AC3E}">
-        <p14:creationId xmlns:p14="http://schemas.microsoft.com/office/powerpoint/2010/main" val="945967895"/>
-      </p:ext>
-    </p:extLst>
-  </p:cSld>
-  <p:clrMapOvr>
-    <a:masterClrMapping/>
-  </p:clrMapOvr>
-  <p:timing>
-    <p:tnLst>
-      <p:par>
-        <p:cTn id="1" dur="indefinite" restart="never" nodeType="tmRoot"/>
-      </p:par>
-    </p:tnLst>
-  </p:timing>
-</p:sld>
-</file>
-
-<file path=ppt/slides/slide15.xml><?xml version="1.0" encoding="utf-8"?>
-<p:sld xmlns:a="http://schemas.openxmlformats.org/drawingml/2006/main" xmlns:r="http://schemas.openxmlformats.org/officeDocument/2006/relationships" xmlns:p="http://schemas.openxmlformats.org/presentationml/2006/main">
-  <p:cSld>
-    <p:spTree>
-      <p:nvGrpSpPr>
-        <p:cNvPr id="1" name="Shape 368"/>
-        <p:cNvGrpSpPr/>
-        <p:nvPr/>
-      </p:nvGrpSpPr>
-      <p:grpSpPr>
-        <a:xfrm>
-          <a:off x="0" y="0"/>
-          <a:ext cx="0" cy="0"/>
-          <a:chOff x="0" y="0"/>
-          <a:chExt cx="0" cy="0"/>
-        </a:xfrm>
-      </p:grpSpPr>
-      <p:sp>
-        <p:nvSpPr>
-          <p:cNvPr id="369" name="Shape 369"/>
-          <p:cNvSpPr txBox="1">
-            <a:spLocks noGrp="1"/>
-          </p:cNvSpPr>
-          <p:nvPr>
-            <p:ph type="title"/>
-          </p:nvPr>
-        </p:nvSpPr>
-        <p:spPr/>
-        <p:txBody>
-          <a:bodyPr/>
-          <a:lstStyle/>
-          <a:p>
-            <a:pPr lvl="0"/>
-            <a:r>
-              <a:rPr lang="en-US" smtClean="0"/>
-              <a:t>Lab 6 – Analytics</a:t>
-            </a:r>
-            <a:br>
-              <a:rPr lang="en-US" smtClean="0"/>
-            </a:br>
-            <a:r>
-              <a:rPr lang="en-US" smtClean="0"/>
-              <a:t>Lab 7 – Operations</a:t>
-            </a:r>
-            <a:endParaRPr lang="en-US" dirty="0"/>
-          </a:p>
-        </p:txBody>
-      </p:sp>
-      <p:sp>
-        <p:nvSpPr>
-          <p:cNvPr id="370" name="Shape 370"/>
-          <p:cNvSpPr txBox="1">
-            <a:spLocks noGrp="1"/>
-          </p:cNvSpPr>
-          <p:nvPr>
-            <p:ph type="body" idx="1"/>
-          </p:nvPr>
-        </p:nvSpPr>
-        <p:spPr/>
-        <p:txBody>
-          <a:bodyPr/>
-          <a:lstStyle/>
-          <a:p>
-            <a:pPr lvl="0"/>
-            <a:r>
-              <a:rPr lang="en-US" dirty="0" smtClean="0">
-                <a:hlinkClick r:id="rId3"/>
-              </a:rPr>
-              <a:t>https://github.com/DSPN/DataStaxDay</a:t>
-            </a:r>
-          </a:p>
-        </p:txBody>
-      </p:sp>
-    </p:spTree>
-  </p:cSld>
-  <p:clrMapOvr>
-    <a:masterClrMapping/>
-  </p:clrMapOvr>
-  <p:timing>
-    <p:tnLst>
-      <p:par>
-        <p:cTn id="1" dur="indefinite" restart="never" nodeType="tmRoot"/>
-      </p:par>
-    </p:tnLst>
-  </p:timing>
-</p:sld>
-</file>
-
 <file path=ppt/slides/slide2.xml><?xml version="1.0" encoding="utf-8"?>
 <p:sld xmlns:a="http://schemas.openxmlformats.org/drawingml/2006/main" xmlns:r="http://schemas.openxmlformats.org/officeDocument/2006/relationships" xmlns:p="http://schemas.openxmlformats.org/presentationml/2006/main">
   <p:cSld>
@@ -25032,15 +22966,7 @@
           <a:p>
             <a:r>
               <a:rPr lang="en-US" dirty="0" smtClean="0"/>
-              <a:t>© </a:t>
-            </a:r>
-            <a:r>
-              <a:rPr lang="en-US" dirty="0" smtClean="0"/>
-              <a:t>2016 </a:t>
-            </a:r>
-            <a:r>
-              <a:rPr lang="en-US" dirty="0" smtClean="0"/>
-              <a:t>DataStax, All Rights Reserved.</a:t>
+              <a:t>© 2016 DataStax, All Rights Reserved.</a:t>
             </a:r>
             <a:endParaRPr lang="en-US" dirty="0"/>
           </a:p>
@@ -26613,15 +24539,7 @@
           <a:p>
             <a:r>
               <a:rPr lang="en-US" dirty="0" smtClean="0"/>
-              <a:t>© </a:t>
-            </a:r>
-            <a:r>
-              <a:rPr lang="en-US" dirty="0" smtClean="0"/>
-              <a:t>2016 </a:t>
-            </a:r>
-            <a:r>
-              <a:rPr lang="en-US" dirty="0" smtClean="0"/>
-              <a:t>DataStax, All Rights Reserved.</a:t>
+              <a:t>© 2016 DataStax, All Rights Reserved.</a:t>
             </a:r>
             <a:endParaRPr lang="en-US" dirty="0"/>
           </a:p>
@@ -28167,15 +26085,7 @@
           <a:p>
             <a:r>
               <a:rPr lang="en-US" dirty="0" smtClean="0"/>
-              <a:t>© </a:t>
-            </a:r>
-            <a:r>
-              <a:rPr lang="en-US" dirty="0" smtClean="0"/>
-              <a:t>2016 </a:t>
-            </a:r>
-            <a:r>
-              <a:rPr lang="en-US" dirty="0" smtClean="0"/>
-              <a:t>DataStax, All Rights Reserved.</a:t>
+              <a:t>© 2016 DataStax, All Rights Reserved.</a:t>
             </a:r>
             <a:endParaRPr lang="en-US" dirty="0"/>
           </a:p>
@@ -28206,7 +26116,7 @@
   <p:cSld>
     <p:spTree>
       <p:nvGrpSpPr>
-        <p:cNvPr id="1" name=""/>
+        <p:cNvPr id="1" name="Shape 368"/>
         <p:cNvGrpSpPr/>
         <p:nvPr/>
       </p:nvGrpSpPr>
@@ -28220,8 +26130,8 @@
       </p:grpSpPr>
       <p:sp>
         <p:nvSpPr>
-          <p:cNvPr id="6" name="Title 5"/>
-          <p:cNvSpPr>
+          <p:cNvPr id="369" name="Shape 369"/>
+          <p:cNvSpPr txBox="1">
             <a:spLocks noGrp="1"/>
           </p:cNvSpPr>
           <p:nvPr>
@@ -28233,1564 +26143,44 @@
           <a:bodyPr/>
           <a:lstStyle/>
           <a:p>
+            <a:pPr lvl="0"/>
             <a:r>
               <a:rPr lang="en-US" dirty="0" smtClean="0"/>
-              <a:t>Operations</a:t>
+              <a:t>Lab 6 – Analytics</a:t>
             </a:r>
-            <a:endParaRPr lang="en-US" dirty="0"/>
-          </a:p>
-        </p:txBody>
-      </p:sp>
-    </p:spTree>
-    <p:extLst>
-      <p:ext uri="{BB962C8B-B14F-4D97-AF65-F5344CB8AC3E}">
-        <p14:creationId xmlns:p14="http://schemas.microsoft.com/office/powerpoint/2010/main" val="1019977420"/>
-      </p:ext>
-    </p:extLst>
-  </p:cSld>
-  <p:clrMapOvr>
-    <a:masterClrMapping/>
-  </p:clrMapOvr>
-  <p:timing>
-    <p:tnLst>
-      <p:par>
-        <p:cTn id="1" dur="indefinite" restart="never" nodeType="tmRoot"/>
-      </p:par>
-    </p:tnLst>
-  </p:timing>
-</p:sld>
-</file>
-
-<file path=ppt/slides/slide6.xml><?xml version="1.0" encoding="utf-8"?>
-<p:sld xmlns:a="http://schemas.openxmlformats.org/drawingml/2006/main" xmlns:r="http://schemas.openxmlformats.org/officeDocument/2006/relationships" xmlns:p="http://schemas.openxmlformats.org/presentationml/2006/main">
-  <p:cSld>
-    <p:spTree>
-      <p:nvGrpSpPr>
-        <p:cNvPr id="1" name=""/>
-        <p:cNvGrpSpPr/>
-        <p:nvPr/>
-      </p:nvGrpSpPr>
-      <p:grpSpPr>
-        <a:xfrm>
-          <a:off x="0" y="0"/>
-          <a:ext cx="0" cy="0"/>
-          <a:chOff x="0" y="0"/>
-          <a:chExt cx="0" cy="0"/>
-        </a:xfrm>
-      </p:grpSpPr>
-      <p:sp>
-        <p:nvSpPr>
-          <p:cNvPr id="6" name="Title 5"/>
-          <p:cNvSpPr>
-            <a:spLocks noGrp="1"/>
-          </p:cNvSpPr>
-          <p:nvPr>
-            <p:ph type="title"/>
-          </p:nvPr>
-        </p:nvSpPr>
-        <p:spPr/>
-        <p:txBody>
-          <a:bodyPr>
-            <a:normAutofit fontScale="90000"/>
-          </a:bodyPr>
-          <a:lstStyle/>
-          <a:p>
-            <a:r>
+            <a:br>
               <a:rPr lang="en-US" dirty="0" smtClean="0"/>
-              <a:t>Getting Started: Pro-Tips</a:t>
-            </a:r>
+            </a:br>
             <a:endParaRPr lang="en-US" dirty="0"/>
           </a:p>
         </p:txBody>
       </p:sp>
       <p:sp>
         <p:nvSpPr>
-          <p:cNvPr id="7" name="Content Placeholder 6"/>
-          <p:cNvSpPr>
+          <p:cNvPr id="370" name="Shape 370"/>
+          <p:cNvSpPr txBox="1">
             <a:spLocks noGrp="1"/>
           </p:cNvSpPr>
           <p:nvPr>
-            <p:ph sz="quarter" idx="1"/>
+            <p:ph type="body" idx="1"/>
           </p:nvPr>
         </p:nvSpPr>
-        <p:spPr>
-          <a:xfrm>
-            <a:off x="381001" y="914400"/>
-            <a:ext cx="5622490" cy="3979308"/>
-          </a:xfrm>
-        </p:spPr>
-        <p:txBody>
-          <a:bodyPr>
-            <a:normAutofit/>
-          </a:bodyPr>
-          <a:lstStyle/>
-          <a:p>
-            <a:pPr>
-              <a:lnSpc>
-                <a:spcPct val="150000"/>
-              </a:lnSpc>
-            </a:pPr>
-            <a:r>
-              <a:rPr lang="en-US" sz="2400" dirty="0" smtClean="0"/>
-              <a:t>Use appropriate infrastructure</a:t>
-            </a:r>
-          </a:p>
-          <a:p>
-            <a:pPr>
-              <a:lnSpc>
-                <a:spcPct val="150000"/>
-              </a:lnSpc>
-            </a:pPr>
-            <a:r>
-              <a:rPr lang="en-US" sz="2400" dirty="0"/>
-              <a:t>Get your data model </a:t>
-            </a:r>
-            <a:r>
-              <a:rPr lang="en-US" sz="2400" dirty="0" smtClean="0"/>
-              <a:t>right</a:t>
-            </a:r>
-          </a:p>
-          <a:p>
-            <a:pPr>
-              <a:lnSpc>
-                <a:spcPct val="150000"/>
-              </a:lnSpc>
-            </a:pPr>
-            <a:r>
-              <a:rPr lang="en-US" sz="2400" dirty="0" smtClean="0"/>
-              <a:t>Know </a:t>
-            </a:r>
-            <a:r>
-              <a:rPr lang="en-US" sz="2400" dirty="0"/>
-              <a:t>the DataStax driver</a:t>
-            </a:r>
-          </a:p>
-          <a:p>
-            <a:pPr>
-              <a:lnSpc>
-                <a:spcPct val="150000"/>
-              </a:lnSpc>
-            </a:pPr>
-            <a:r>
-              <a:rPr lang="en-US" sz="2400" dirty="0"/>
-              <a:t>Code good query patterns</a:t>
-            </a:r>
-          </a:p>
-          <a:p>
-            <a:pPr>
-              <a:lnSpc>
-                <a:spcPct val="150000"/>
-              </a:lnSpc>
-            </a:pPr>
-            <a:r>
-              <a:rPr lang="en-US" sz="2400" dirty="0"/>
-              <a:t>Size your cluster </a:t>
-            </a:r>
-            <a:r>
-              <a:rPr lang="en-US" sz="2400" dirty="0" smtClean="0"/>
-              <a:t>correctly</a:t>
-            </a:r>
-            <a:endParaRPr lang="en-US" sz="2400" dirty="0"/>
-          </a:p>
-        </p:txBody>
-      </p:sp>
-      <p:sp>
-        <p:nvSpPr>
-          <p:cNvPr id="8" name="Footer Placeholder 1"/>
-          <p:cNvSpPr>
-            <a:spLocks noGrp="1"/>
-          </p:cNvSpPr>
-          <p:nvPr>
-            <p:ph type="ftr" sz="quarter" idx="11"/>
-          </p:nvPr>
-        </p:nvSpPr>
-        <p:spPr>
-          <a:xfrm>
-            <a:off x="457200" y="4836826"/>
-            <a:ext cx="1594500" cy="273900"/>
-          </a:xfrm>
-        </p:spPr>
+        <p:spPr/>
         <p:txBody>
           <a:bodyPr/>
           <a:lstStyle/>
           <a:p>
+            <a:pPr lvl="0"/>
             <a:r>
-              <a:rPr lang="en-US" dirty="0" smtClean="0"/>
-              <a:t>© </a:t>
+              <a:rPr lang="en-US" dirty="0" smtClean="0">
+                <a:hlinkClick r:id="rId3"/>
+              </a:rPr>
+              <a:t>https://github.com/DSPN/DataStaxDay</a:t>
             </a:r>
-            <a:r>
-              <a:rPr lang="en-US" dirty="0" smtClean="0"/>
-              <a:t>2016 </a:t>
-            </a:r>
-            <a:r>
-              <a:rPr lang="en-US" dirty="0" smtClean="0"/>
-              <a:t>DataStax, All Rights Reserved.</a:t>
-            </a:r>
-            <a:endParaRPr lang="en-US" dirty="0"/>
           </a:p>
         </p:txBody>
       </p:sp>
     </p:spTree>
-    <p:extLst>
-      <p:ext uri="{BB962C8B-B14F-4D97-AF65-F5344CB8AC3E}">
-        <p14:creationId xmlns:p14="http://schemas.microsoft.com/office/powerpoint/2010/main" val="1546027586"/>
-      </p:ext>
-    </p:extLst>
-  </p:cSld>
-  <p:clrMapOvr>
-    <a:masterClrMapping/>
-  </p:clrMapOvr>
-  <p:timing>
-    <p:tnLst>
-      <p:par>
-        <p:cTn id="1" dur="indefinite" restart="never" nodeType="tmRoot"/>
-      </p:par>
-    </p:tnLst>
-  </p:timing>
-</p:sld>
-</file>
-
-<file path=ppt/slides/slide7.xml><?xml version="1.0" encoding="utf-8"?>
-<p:sld xmlns:a="http://schemas.openxmlformats.org/drawingml/2006/main" xmlns:r="http://schemas.openxmlformats.org/officeDocument/2006/relationships" xmlns:p="http://schemas.openxmlformats.org/presentationml/2006/main">
-  <p:cSld>
-    <p:spTree>
-      <p:nvGrpSpPr>
-        <p:cNvPr id="1" name=""/>
-        <p:cNvGrpSpPr/>
-        <p:nvPr/>
-      </p:nvGrpSpPr>
-      <p:grpSpPr>
-        <a:xfrm>
-          <a:off x="0" y="0"/>
-          <a:ext cx="0" cy="0"/>
-          <a:chOff x="0" y="0"/>
-          <a:chExt cx="0" cy="0"/>
-        </a:xfrm>
-      </p:grpSpPr>
-      <p:sp>
-        <p:nvSpPr>
-          <p:cNvPr id="6" name="Title 5"/>
-          <p:cNvSpPr>
-            <a:spLocks noGrp="1"/>
-          </p:cNvSpPr>
-          <p:nvPr>
-            <p:ph type="title"/>
-          </p:nvPr>
-        </p:nvSpPr>
-        <p:spPr/>
-        <p:txBody>
-          <a:bodyPr>
-            <a:normAutofit fontScale="90000"/>
-          </a:bodyPr>
-          <a:lstStyle/>
-          <a:p>
-            <a:r>
-              <a:rPr lang="en-US" dirty="0"/>
-              <a:t>Getting Started</a:t>
-            </a:r>
-            <a:r>
-              <a:rPr lang="en-US" dirty="0" smtClean="0"/>
-              <a:t>: Pro-Tips</a:t>
-            </a:r>
-            <a:endParaRPr lang="en-US" dirty="0"/>
-          </a:p>
-        </p:txBody>
-      </p:sp>
-      <p:sp>
-        <p:nvSpPr>
-          <p:cNvPr id="7" name="Content Placeholder 6"/>
-          <p:cNvSpPr>
-            <a:spLocks noGrp="1"/>
-          </p:cNvSpPr>
-          <p:nvPr>
-            <p:ph sz="quarter" idx="1"/>
-          </p:nvPr>
-        </p:nvSpPr>
-        <p:spPr>
-          <a:xfrm>
-            <a:off x="381001" y="914400"/>
-            <a:ext cx="4769923" cy="3979308"/>
-          </a:xfrm>
-        </p:spPr>
-        <p:txBody>
-          <a:bodyPr>
-            <a:normAutofit/>
-          </a:bodyPr>
-          <a:lstStyle/>
-          <a:p>
-            <a:pPr>
-              <a:lnSpc>
-                <a:spcPct val="150000"/>
-              </a:lnSpc>
-            </a:pPr>
-            <a:r>
-              <a:rPr lang="en-US" sz="2400" b="1" dirty="0" smtClean="0"/>
-              <a:t>Use appropriate infrastructure</a:t>
-            </a:r>
-          </a:p>
-          <a:p>
-            <a:pPr>
-              <a:lnSpc>
-                <a:spcPct val="150000"/>
-              </a:lnSpc>
-            </a:pPr>
-            <a:r>
-              <a:rPr lang="en-US" sz="2400" dirty="0"/>
-              <a:t>Get your data model </a:t>
-            </a:r>
-            <a:r>
-              <a:rPr lang="en-US" sz="2400" dirty="0" smtClean="0"/>
-              <a:t>right</a:t>
-            </a:r>
-          </a:p>
-          <a:p>
-            <a:pPr>
-              <a:lnSpc>
-                <a:spcPct val="150000"/>
-              </a:lnSpc>
-            </a:pPr>
-            <a:r>
-              <a:rPr lang="en-US" sz="2400" dirty="0" smtClean="0"/>
-              <a:t>Know </a:t>
-            </a:r>
-            <a:r>
-              <a:rPr lang="en-US" sz="2400" dirty="0"/>
-              <a:t>the DataStax driver</a:t>
-            </a:r>
-          </a:p>
-          <a:p>
-            <a:pPr>
-              <a:lnSpc>
-                <a:spcPct val="150000"/>
-              </a:lnSpc>
-            </a:pPr>
-            <a:r>
-              <a:rPr lang="en-US" sz="2400" dirty="0"/>
-              <a:t>Code good query patterns</a:t>
-            </a:r>
-          </a:p>
-          <a:p>
-            <a:pPr>
-              <a:lnSpc>
-                <a:spcPct val="150000"/>
-              </a:lnSpc>
-            </a:pPr>
-            <a:r>
-              <a:rPr lang="en-US" sz="2400" dirty="0"/>
-              <a:t>Size your cluster </a:t>
-            </a:r>
-            <a:r>
-              <a:rPr lang="en-US" sz="2400" dirty="0" smtClean="0"/>
-              <a:t>correctly</a:t>
-            </a:r>
-            <a:endParaRPr lang="en-US" sz="2400" dirty="0"/>
-          </a:p>
-        </p:txBody>
-      </p:sp>
-      <p:sp>
-        <p:nvSpPr>
-          <p:cNvPr id="2" name="Rectangle 1"/>
-          <p:cNvSpPr/>
-          <p:nvPr/>
-        </p:nvSpPr>
-        <p:spPr>
-          <a:xfrm>
-            <a:off x="5266375" y="911074"/>
-            <a:ext cx="3723041" cy="3920463"/>
-          </a:xfrm>
-          <a:prstGeom prst="rect">
-            <a:avLst/>
-          </a:prstGeom>
-        </p:spPr>
-        <p:txBody>
-          <a:bodyPr vert="horz" lIns="0" tIns="0" bIns="0">
-            <a:normAutofit/>
-          </a:bodyPr>
-          <a:lstStyle/>
-          <a:p>
-            <a:pPr>
-              <a:lnSpc>
-                <a:spcPct val="150000"/>
-              </a:lnSpc>
-              <a:spcBef>
-                <a:spcPts val="600"/>
-              </a:spcBef>
-              <a:buClr>
-                <a:schemeClr val="accent1"/>
-              </a:buClr>
-              <a:buSzPct val="76000"/>
-              <a:buFont typeface="Wingdings 3"/>
-              <a:buNone/>
-            </a:pPr>
-            <a:r>
-              <a:rPr lang="en-US" sz="2400" dirty="0" smtClean="0">
-                <a:solidFill>
-                  <a:schemeClr val="tx1">
-                    <a:lumMod val="65000"/>
-                    <a:lumOff val="35000"/>
-                  </a:schemeClr>
-                </a:solidFill>
-                <a:latin typeface="Arial"/>
-                <a:cs typeface="Arial"/>
-              </a:rPr>
-              <a:t>Nodes </a:t>
-            </a:r>
-            <a:r>
-              <a:rPr lang="en-US" sz="2400" dirty="0">
-                <a:solidFill>
-                  <a:schemeClr val="tx1">
-                    <a:lumMod val="65000"/>
-                    <a:lumOff val="35000"/>
-                  </a:schemeClr>
-                </a:solidFill>
-                <a:latin typeface="Arial"/>
-                <a:cs typeface="Arial"/>
-              </a:rPr>
-              <a:t>not too big </a:t>
-            </a:r>
-            <a:endParaRPr lang="en-US" sz="2400" dirty="0" smtClean="0">
-              <a:solidFill>
-                <a:schemeClr val="tx1">
-                  <a:lumMod val="65000"/>
-                  <a:lumOff val="35000"/>
-                </a:schemeClr>
-              </a:solidFill>
-              <a:latin typeface="Arial"/>
-              <a:cs typeface="Arial"/>
-            </a:endParaRPr>
-          </a:p>
-          <a:p>
-            <a:pPr>
-              <a:lnSpc>
-                <a:spcPct val="150000"/>
-              </a:lnSpc>
-              <a:spcBef>
-                <a:spcPts val="600"/>
-              </a:spcBef>
-              <a:buClr>
-                <a:schemeClr val="accent1"/>
-              </a:buClr>
-              <a:buSzPct val="76000"/>
-              <a:buFont typeface="Wingdings 3"/>
-              <a:buNone/>
-            </a:pPr>
-            <a:r>
-              <a:rPr lang="en-US" sz="2400" dirty="0" smtClean="0">
-                <a:solidFill>
-                  <a:schemeClr val="tx1">
-                    <a:lumMod val="65000"/>
-                    <a:lumOff val="35000"/>
-                  </a:schemeClr>
-                </a:solidFill>
-                <a:latin typeface="Arial"/>
-                <a:cs typeface="Arial"/>
-              </a:rPr>
-              <a:t>Nodes </a:t>
-            </a:r>
-            <a:r>
-              <a:rPr lang="en-US" sz="2400" dirty="0">
-                <a:solidFill>
-                  <a:schemeClr val="tx1">
-                    <a:lumMod val="65000"/>
-                    <a:lumOff val="35000"/>
-                  </a:schemeClr>
-                </a:solidFill>
-                <a:latin typeface="Arial"/>
-                <a:cs typeface="Arial"/>
-              </a:rPr>
-              <a:t>not too </a:t>
-            </a:r>
-            <a:r>
-              <a:rPr lang="en-US" sz="2400" dirty="0" smtClean="0">
-                <a:solidFill>
-                  <a:schemeClr val="tx1">
-                    <a:lumMod val="65000"/>
-                    <a:lumOff val="35000"/>
-                  </a:schemeClr>
-                </a:solidFill>
-                <a:latin typeface="Arial"/>
-                <a:cs typeface="Arial"/>
-              </a:rPr>
-              <a:t>small</a:t>
-            </a:r>
-          </a:p>
-          <a:p>
-            <a:pPr>
-              <a:lnSpc>
-                <a:spcPct val="150000"/>
-              </a:lnSpc>
-              <a:spcBef>
-                <a:spcPts val="600"/>
-              </a:spcBef>
-              <a:buClr>
-                <a:schemeClr val="accent1"/>
-              </a:buClr>
-              <a:buSzPct val="76000"/>
-              <a:buFont typeface="Wingdings 3"/>
-              <a:buNone/>
-            </a:pPr>
-            <a:r>
-              <a:rPr lang="en-US" sz="2400" dirty="0" smtClean="0">
-                <a:solidFill>
-                  <a:schemeClr val="tx1">
-                    <a:lumMod val="65000"/>
-                    <a:lumOff val="35000"/>
-                  </a:schemeClr>
-                </a:solidFill>
-                <a:latin typeface="Arial"/>
-                <a:cs typeface="Arial"/>
-              </a:rPr>
-              <a:t>         ^ See docs</a:t>
-            </a:r>
-            <a:endParaRPr lang="en-US" sz="2400" dirty="0">
-              <a:solidFill>
-                <a:schemeClr val="tx1">
-                  <a:lumMod val="65000"/>
-                  <a:lumOff val="35000"/>
-                </a:schemeClr>
-              </a:solidFill>
-              <a:latin typeface="Arial"/>
-              <a:cs typeface="Arial"/>
-            </a:endParaRPr>
-          </a:p>
-          <a:p>
-            <a:pPr>
-              <a:lnSpc>
-                <a:spcPct val="150000"/>
-              </a:lnSpc>
-              <a:spcBef>
-                <a:spcPts val="600"/>
-              </a:spcBef>
-              <a:buClr>
-                <a:schemeClr val="accent1"/>
-              </a:buClr>
-              <a:buSzPct val="76000"/>
-              <a:buFont typeface="Wingdings 3"/>
-              <a:buNone/>
-            </a:pPr>
-            <a:r>
-              <a:rPr lang="en-US" sz="2400" dirty="0" smtClean="0">
-                <a:solidFill>
-                  <a:schemeClr val="tx1">
-                    <a:lumMod val="65000"/>
-                    <a:lumOff val="35000"/>
-                  </a:schemeClr>
-                </a:solidFill>
-                <a:latin typeface="Arial"/>
-                <a:cs typeface="Arial"/>
-              </a:rPr>
-              <a:t>Avoid </a:t>
-            </a:r>
-            <a:r>
-              <a:rPr lang="en-US" sz="2400" dirty="0">
-                <a:solidFill>
-                  <a:schemeClr val="tx1">
-                    <a:lumMod val="65000"/>
-                    <a:lumOff val="35000"/>
-                  </a:schemeClr>
-                </a:solidFill>
-                <a:latin typeface="Arial"/>
-                <a:cs typeface="Arial"/>
-              </a:rPr>
-              <a:t>shared </a:t>
-            </a:r>
-            <a:r>
-              <a:rPr lang="en-US" sz="2400" dirty="0" smtClean="0">
-                <a:solidFill>
-                  <a:schemeClr val="tx1">
-                    <a:lumMod val="65000"/>
-                    <a:lumOff val="35000"/>
-                  </a:schemeClr>
-                </a:solidFill>
-                <a:latin typeface="Arial"/>
-                <a:cs typeface="Arial"/>
-              </a:rPr>
-              <a:t>storage</a:t>
-            </a:r>
-          </a:p>
-          <a:p>
-            <a:pPr>
-              <a:lnSpc>
-                <a:spcPct val="150000"/>
-              </a:lnSpc>
-              <a:spcBef>
-                <a:spcPts val="600"/>
-              </a:spcBef>
-              <a:buClr>
-                <a:schemeClr val="accent1"/>
-              </a:buClr>
-              <a:buSzPct val="76000"/>
-              <a:buFont typeface="Wingdings 3"/>
-              <a:buNone/>
-            </a:pPr>
-            <a:r>
-              <a:rPr lang="en-US" sz="2400" dirty="0" smtClean="0">
-                <a:solidFill>
-                  <a:schemeClr val="tx1">
-                    <a:lumMod val="65000"/>
-                    <a:lumOff val="35000"/>
-                  </a:schemeClr>
-                </a:solidFill>
-                <a:latin typeface="Arial"/>
-                <a:cs typeface="Arial"/>
-              </a:rPr>
-              <a:t>Physical or virtual are OK</a:t>
-            </a:r>
-            <a:endParaRPr lang="en-US" sz="2400" dirty="0">
-              <a:solidFill>
-                <a:schemeClr val="tx1">
-                  <a:lumMod val="65000"/>
-                  <a:lumOff val="35000"/>
-                </a:schemeClr>
-              </a:solidFill>
-              <a:latin typeface="Arial"/>
-              <a:cs typeface="Arial"/>
-            </a:endParaRPr>
-          </a:p>
-        </p:txBody>
-      </p:sp>
-      <p:sp>
-        <p:nvSpPr>
-          <p:cNvPr id="3" name="Left Brace 2"/>
-          <p:cNvSpPr/>
-          <p:nvPr/>
-        </p:nvSpPr>
-        <p:spPr>
-          <a:xfrm>
-            <a:off x="4884497" y="1056898"/>
-            <a:ext cx="257546" cy="2913133"/>
-          </a:xfrm>
-          <a:prstGeom prst="leftBrace">
-            <a:avLst>
-              <a:gd name="adj1" fmla="val 8333"/>
-              <a:gd name="adj2" fmla="val 8001"/>
-            </a:avLst>
-          </a:prstGeom>
-          <a:ln w="38100" cmpd="sng"/>
-          <a:effectLst/>
-        </p:spPr>
-        <p:style>
-          <a:lnRef idx="2">
-            <a:schemeClr val="accent1"/>
-          </a:lnRef>
-          <a:fillRef idx="0">
-            <a:schemeClr val="accent1"/>
-          </a:fillRef>
-          <a:effectRef idx="1">
-            <a:schemeClr val="accent1"/>
-          </a:effectRef>
-          <a:fontRef idx="minor">
-            <a:schemeClr val="tx1"/>
-          </a:fontRef>
-        </p:style>
-        <p:txBody>
-          <a:bodyPr rtlCol="0" anchor="ctr"/>
-          <a:lstStyle/>
-          <a:p>
-            <a:pPr algn="ctr"/>
-            <a:endParaRPr lang="en-US"/>
-          </a:p>
-        </p:txBody>
-      </p:sp>
-      <p:sp>
-        <p:nvSpPr>
-          <p:cNvPr id="8" name="Footer Placeholder 1"/>
-          <p:cNvSpPr>
-            <a:spLocks noGrp="1"/>
-          </p:cNvSpPr>
-          <p:nvPr>
-            <p:ph type="ftr" sz="quarter" idx="11"/>
-          </p:nvPr>
-        </p:nvSpPr>
-        <p:spPr>
-          <a:xfrm>
-            <a:off x="457200" y="4836826"/>
-            <a:ext cx="1594500" cy="273900"/>
-          </a:xfrm>
-        </p:spPr>
-        <p:txBody>
-          <a:bodyPr/>
-          <a:lstStyle/>
-          <a:p>
-            <a:r>
-              <a:rPr lang="en-US" dirty="0" smtClean="0"/>
-              <a:t>© </a:t>
-            </a:r>
-            <a:r>
-              <a:rPr lang="en-US" dirty="0" smtClean="0"/>
-              <a:t>2016 </a:t>
-            </a:r>
-            <a:r>
-              <a:rPr lang="en-US" dirty="0" smtClean="0"/>
-              <a:t>DataStax, All Rights Reserved.</a:t>
-            </a:r>
-            <a:endParaRPr lang="en-US" dirty="0"/>
-          </a:p>
-        </p:txBody>
-      </p:sp>
-    </p:spTree>
-    <p:extLst>
-      <p:ext uri="{BB962C8B-B14F-4D97-AF65-F5344CB8AC3E}">
-        <p14:creationId xmlns:p14="http://schemas.microsoft.com/office/powerpoint/2010/main" val="1680992849"/>
-      </p:ext>
-    </p:extLst>
-  </p:cSld>
-  <p:clrMapOvr>
-    <a:masterClrMapping/>
-  </p:clrMapOvr>
-  <p:timing>
-    <p:tnLst>
-      <p:par>
-        <p:cTn id="1" dur="indefinite" restart="never" nodeType="tmRoot"/>
-      </p:par>
-    </p:tnLst>
-  </p:timing>
-</p:sld>
-</file>
-
-<file path=ppt/slides/slide8.xml><?xml version="1.0" encoding="utf-8"?>
-<p:sld xmlns:a="http://schemas.openxmlformats.org/drawingml/2006/main" xmlns:r="http://schemas.openxmlformats.org/officeDocument/2006/relationships" xmlns:p="http://schemas.openxmlformats.org/presentationml/2006/main">
-  <p:cSld>
-    <p:spTree>
-      <p:nvGrpSpPr>
-        <p:cNvPr id="1" name=""/>
-        <p:cNvGrpSpPr/>
-        <p:nvPr/>
-      </p:nvGrpSpPr>
-      <p:grpSpPr>
-        <a:xfrm>
-          <a:off x="0" y="0"/>
-          <a:ext cx="0" cy="0"/>
-          <a:chOff x="0" y="0"/>
-          <a:chExt cx="0" cy="0"/>
-        </a:xfrm>
-      </p:grpSpPr>
-      <p:sp>
-        <p:nvSpPr>
-          <p:cNvPr id="6" name="Title 5"/>
-          <p:cNvSpPr>
-            <a:spLocks noGrp="1"/>
-          </p:cNvSpPr>
-          <p:nvPr>
-            <p:ph type="title"/>
-          </p:nvPr>
-        </p:nvSpPr>
-        <p:spPr/>
-        <p:txBody>
-          <a:bodyPr>
-            <a:normAutofit fontScale="90000"/>
-          </a:bodyPr>
-          <a:lstStyle/>
-          <a:p>
-            <a:r>
-              <a:rPr lang="en-US" dirty="0"/>
-              <a:t>Getting Started</a:t>
-            </a:r>
-            <a:r>
-              <a:rPr lang="en-US" dirty="0" smtClean="0"/>
-              <a:t>: Pro-Tips</a:t>
-            </a:r>
-            <a:endParaRPr lang="en-US" dirty="0"/>
-          </a:p>
-        </p:txBody>
-      </p:sp>
-      <p:sp>
-        <p:nvSpPr>
-          <p:cNvPr id="7" name="Content Placeholder 6"/>
-          <p:cNvSpPr>
-            <a:spLocks noGrp="1"/>
-          </p:cNvSpPr>
-          <p:nvPr>
-            <p:ph sz="quarter" idx="1"/>
-          </p:nvPr>
-        </p:nvSpPr>
-        <p:spPr>
-          <a:xfrm>
-            <a:off x="381001" y="914400"/>
-            <a:ext cx="4769923" cy="3979308"/>
-          </a:xfrm>
-        </p:spPr>
-        <p:txBody>
-          <a:bodyPr>
-            <a:normAutofit/>
-          </a:bodyPr>
-          <a:lstStyle/>
-          <a:p>
-            <a:pPr>
-              <a:lnSpc>
-                <a:spcPct val="150000"/>
-              </a:lnSpc>
-            </a:pPr>
-            <a:r>
-              <a:rPr lang="en-US" sz="2400" dirty="0" smtClean="0"/>
-              <a:t>Use appropriate infrastructure</a:t>
-            </a:r>
-          </a:p>
-          <a:p>
-            <a:pPr>
-              <a:lnSpc>
-                <a:spcPct val="150000"/>
-              </a:lnSpc>
-            </a:pPr>
-            <a:r>
-              <a:rPr lang="en-US" sz="2400" b="1" dirty="0"/>
-              <a:t>Get your data model </a:t>
-            </a:r>
-            <a:r>
-              <a:rPr lang="en-US" sz="2400" b="1" dirty="0" smtClean="0"/>
-              <a:t>right</a:t>
-            </a:r>
-          </a:p>
-          <a:p>
-            <a:pPr>
-              <a:lnSpc>
-                <a:spcPct val="150000"/>
-              </a:lnSpc>
-            </a:pPr>
-            <a:r>
-              <a:rPr lang="en-US" sz="2400" dirty="0" smtClean="0"/>
-              <a:t>Know </a:t>
-            </a:r>
-            <a:r>
-              <a:rPr lang="en-US" sz="2400" dirty="0"/>
-              <a:t>the DataStax driver</a:t>
-            </a:r>
-          </a:p>
-          <a:p>
-            <a:pPr>
-              <a:lnSpc>
-                <a:spcPct val="150000"/>
-              </a:lnSpc>
-            </a:pPr>
-            <a:r>
-              <a:rPr lang="en-US" sz="2400" dirty="0"/>
-              <a:t>Code good query patterns</a:t>
-            </a:r>
-          </a:p>
-          <a:p>
-            <a:pPr>
-              <a:lnSpc>
-                <a:spcPct val="150000"/>
-              </a:lnSpc>
-            </a:pPr>
-            <a:r>
-              <a:rPr lang="en-US" sz="2400" dirty="0"/>
-              <a:t>Size your cluster </a:t>
-            </a:r>
-            <a:r>
-              <a:rPr lang="en-US" sz="2400" dirty="0" smtClean="0"/>
-              <a:t>correctly</a:t>
-            </a:r>
-            <a:endParaRPr lang="en-US" sz="2400" dirty="0"/>
-          </a:p>
-        </p:txBody>
-      </p:sp>
-      <p:sp>
-        <p:nvSpPr>
-          <p:cNvPr id="2" name="Rectangle 1"/>
-          <p:cNvSpPr/>
-          <p:nvPr/>
-        </p:nvSpPr>
-        <p:spPr>
-          <a:xfrm>
-            <a:off x="5266375" y="911074"/>
-            <a:ext cx="3723041" cy="3618492"/>
-          </a:xfrm>
-          <a:prstGeom prst="rect">
-            <a:avLst/>
-          </a:prstGeom>
-        </p:spPr>
-        <p:txBody>
-          <a:bodyPr vert="horz" lIns="0" tIns="0" bIns="0">
-            <a:normAutofit/>
-          </a:bodyPr>
-          <a:lstStyle/>
-          <a:p>
-            <a:pPr>
-              <a:lnSpc>
-                <a:spcPct val="150000"/>
-              </a:lnSpc>
-              <a:spcBef>
-                <a:spcPts val="600"/>
-              </a:spcBef>
-              <a:buClr>
-                <a:schemeClr val="accent1"/>
-              </a:buClr>
-              <a:buSzPct val="76000"/>
-              <a:buFont typeface="Wingdings 3"/>
-              <a:buNone/>
-            </a:pPr>
-            <a:r>
-              <a:rPr lang="en-US" sz="2400" dirty="0" err="1" smtClean="0">
-                <a:solidFill>
-                  <a:schemeClr val="tx1">
-                    <a:lumMod val="65000"/>
-                    <a:lumOff val="35000"/>
-                  </a:schemeClr>
-                </a:solidFill>
-                <a:latin typeface="Arial"/>
-                <a:cs typeface="Arial"/>
-              </a:rPr>
-              <a:t>Denormalize</a:t>
-            </a:r>
-            <a:endParaRPr lang="en-US" sz="2400" dirty="0" smtClean="0">
-              <a:solidFill>
-                <a:schemeClr val="tx1">
-                  <a:lumMod val="65000"/>
-                  <a:lumOff val="35000"/>
-                </a:schemeClr>
-              </a:solidFill>
-              <a:latin typeface="Arial"/>
-              <a:cs typeface="Arial"/>
-            </a:endParaRPr>
-          </a:p>
-          <a:p>
-            <a:pPr>
-              <a:lnSpc>
-                <a:spcPct val="150000"/>
-              </a:lnSpc>
-              <a:spcBef>
-                <a:spcPts val="600"/>
-              </a:spcBef>
-              <a:buClr>
-                <a:schemeClr val="accent1"/>
-              </a:buClr>
-              <a:buSzPct val="76000"/>
-              <a:buFont typeface="Wingdings 3"/>
-              <a:buNone/>
-            </a:pPr>
-            <a:r>
-              <a:rPr lang="en-US" sz="2400" dirty="0" smtClean="0">
-                <a:solidFill>
-                  <a:schemeClr val="tx1">
-                    <a:lumMod val="65000"/>
-                    <a:lumOff val="35000"/>
-                  </a:schemeClr>
-                </a:solidFill>
-                <a:latin typeface="Arial"/>
-                <a:cs typeface="Arial"/>
-              </a:rPr>
-              <a:t>No </a:t>
-            </a:r>
-            <a:r>
-              <a:rPr lang="en-US" sz="2400" dirty="0">
-                <a:solidFill>
-                  <a:schemeClr val="tx1">
-                    <a:lumMod val="65000"/>
-                    <a:lumOff val="35000"/>
-                  </a:schemeClr>
-                </a:solidFill>
-                <a:latin typeface="Arial"/>
-                <a:cs typeface="Arial"/>
-              </a:rPr>
-              <a:t>RDBMS models</a:t>
-            </a:r>
-          </a:p>
-          <a:p>
-            <a:pPr>
-              <a:lnSpc>
-                <a:spcPct val="150000"/>
-              </a:lnSpc>
-              <a:spcBef>
-                <a:spcPts val="600"/>
-              </a:spcBef>
-              <a:buClr>
-                <a:schemeClr val="accent1"/>
-              </a:buClr>
-              <a:buSzPct val="76000"/>
-              <a:buFont typeface="Wingdings 3"/>
-              <a:buNone/>
-            </a:pPr>
-            <a:r>
-              <a:rPr lang="en-US" sz="2400" dirty="0" smtClean="0">
-                <a:solidFill>
-                  <a:schemeClr val="tx1">
-                    <a:lumMod val="65000"/>
-                    <a:lumOff val="35000"/>
-                  </a:schemeClr>
-                </a:solidFill>
-                <a:latin typeface="Arial"/>
-                <a:cs typeface="Arial"/>
-              </a:rPr>
-              <a:t>No </a:t>
-            </a:r>
-            <a:r>
-              <a:rPr lang="en-US" sz="2400" dirty="0">
-                <a:solidFill>
-                  <a:schemeClr val="tx1">
-                    <a:lumMod val="65000"/>
-                    <a:lumOff val="35000"/>
-                  </a:schemeClr>
-                </a:solidFill>
-                <a:latin typeface="Arial"/>
-                <a:cs typeface="Arial"/>
-              </a:rPr>
-              <a:t>secondary </a:t>
-            </a:r>
-            <a:r>
-              <a:rPr lang="en-US" sz="2400" dirty="0" smtClean="0">
-                <a:solidFill>
-                  <a:schemeClr val="tx1">
-                    <a:lumMod val="65000"/>
-                    <a:lumOff val="35000"/>
-                  </a:schemeClr>
-                </a:solidFill>
-                <a:latin typeface="Arial"/>
-                <a:cs typeface="Arial"/>
-              </a:rPr>
-              <a:t>indexes</a:t>
-            </a:r>
-          </a:p>
-          <a:p>
-            <a:pPr>
-              <a:lnSpc>
-                <a:spcPct val="150000"/>
-              </a:lnSpc>
-              <a:spcBef>
-                <a:spcPts val="600"/>
-              </a:spcBef>
-              <a:buClr>
-                <a:schemeClr val="accent1"/>
-              </a:buClr>
-              <a:buSzPct val="76000"/>
-              <a:buFont typeface="Wingdings 3"/>
-              <a:buNone/>
-            </a:pPr>
-            <a:r>
-              <a:rPr lang="en-US" sz="2400" dirty="0" smtClean="0">
-                <a:solidFill>
-                  <a:schemeClr val="tx1">
-                    <a:lumMod val="65000"/>
-                    <a:lumOff val="35000"/>
-                  </a:schemeClr>
-                </a:solidFill>
-                <a:latin typeface="Arial"/>
-                <a:cs typeface="Arial"/>
-              </a:rPr>
-              <a:t>Get help if you’re stuck!</a:t>
-            </a:r>
-          </a:p>
-          <a:p>
-            <a:pPr>
-              <a:lnSpc>
-                <a:spcPct val="150000"/>
-              </a:lnSpc>
-              <a:spcBef>
-                <a:spcPts val="600"/>
-              </a:spcBef>
-              <a:buClr>
-                <a:schemeClr val="accent1"/>
-              </a:buClr>
-              <a:buSzPct val="76000"/>
-              <a:buFont typeface="Wingdings 3"/>
-              <a:buNone/>
-            </a:pPr>
-            <a:r>
-              <a:rPr lang="en-US" sz="2400" dirty="0" smtClean="0">
-                <a:solidFill>
-                  <a:schemeClr val="tx1">
-                    <a:lumMod val="65000"/>
-                    <a:lumOff val="35000"/>
-                  </a:schemeClr>
-                </a:solidFill>
-                <a:latin typeface="Arial"/>
-                <a:cs typeface="Arial"/>
-              </a:rPr>
-              <a:t>Great online resources</a:t>
-            </a:r>
-            <a:endParaRPr lang="en-US" sz="2400" dirty="0">
-              <a:solidFill>
-                <a:schemeClr val="tx1">
-                  <a:lumMod val="65000"/>
-                  <a:lumOff val="35000"/>
-                </a:schemeClr>
-              </a:solidFill>
-              <a:latin typeface="Arial"/>
-              <a:cs typeface="Arial"/>
-            </a:endParaRPr>
-          </a:p>
-        </p:txBody>
-      </p:sp>
-      <p:sp>
-        <p:nvSpPr>
-          <p:cNvPr id="8" name="Left Brace 7"/>
-          <p:cNvSpPr/>
-          <p:nvPr/>
-        </p:nvSpPr>
-        <p:spPr>
-          <a:xfrm>
-            <a:off x="4884497" y="1056898"/>
-            <a:ext cx="257546" cy="2975303"/>
-          </a:xfrm>
-          <a:prstGeom prst="leftBrace">
-            <a:avLst>
-              <a:gd name="adj1" fmla="val 8333"/>
-              <a:gd name="adj2" fmla="val 36202"/>
-            </a:avLst>
-          </a:prstGeom>
-          <a:ln w="38100" cmpd="sng"/>
-          <a:effectLst/>
-        </p:spPr>
-        <p:style>
-          <a:lnRef idx="2">
-            <a:schemeClr val="accent1"/>
-          </a:lnRef>
-          <a:fillRef idx="0">
-            <a:schemeClr val="accent1"/>
-          </a:fillRef>
-          <a:effectRef idx="1">
-            <a:schemeClr val="accent1"/>
-          </a:effectRef>
-          <a:fontRef idx="minor">
-            <a:schemeClr val="tx1"/>
-          </a:fontRef>
-        </p:style>
-        <p:txBody>
-          <a:bodyPr rtlCol="0" anchor="ctr"/>
-          <a:lstStyle/>
-          <a:p>
-            <a:pPr algn="ctr"/>
-            <a:endParaRPr lang="en-US"/>
-          </a:p>
-        </p:txBody>
-      </p:sp>
-      <p:sp>
-        <p:nvSpPr>
-          <p:cNvPr id="9" name="Footer Placeholder 1"/>
-          <p:cNvSpPr>
-            <a:spLocks noGrp="1"/>
-          </p:cNvSpPr>
-          <p:nvPr>
-            <p:ph type="ftr" sz="quarter" idx="11"/>
-          </p:nvPr>
-        </p:nvSpPr>
-        <p:spPr>
-          <a:xfrm>
-            <a:off x="457200" y="4836826"/>
-            <a:ext cx="1594500" cy="273900"/>
-          </a:xfrm>
-        </p:spPr>
-        <p:txBody>
-          <a:bodyPr/>
-          <a:lstStyle/>
-          <a:p>
-            <a:r>
-              <a:rPr lang="en-US" dirty="0" smtClean="0"/>
-              <a:t>© </a:t>
-            </a:r>
-            <a:r>
-              <a:rPr lang="en-US" dirty="0" smtClean="0"/>
-              <a:t>2016 </a:t>
-            </a:r>
-            <a:r>
-              <a:rPr lang="en-US" dirty="0" smtClean="0"/>
-              <a:t>DataStax, All Rights Reserved.</a:t>
-            </a:r>
-            <a:endParaRPr lang="en-US" dirty="0"/>
-          </a:p>
-        </p:txBody>
-      </p:sp>
-    </p:spTree>
-    <p:extLst>
-      <p:ext uri="{BB962C8B-B14F-4D97-AF65-F5344CB8AC3E}">
-        <p14:creationId xmlns:p14="http://schemas.microsoft.com/office/powerpoint/2010/main" val="151953211"/>
-      </p:ext>
-    </p:extLst>
-  </p:cSld>
-  <p:clrMapOvr>
-    <a:masterClrMapping/>
-  </p:clrMapOvr>
-  <p:timing>
-    <p:tnLst>
-      <p:par>
-        <p:cTn id="1" dur="indefinite" restart="never" nodeType="tmRoot"/>
-      </p:par>
-    </p:tnLst>
-  </p:timing>
-</p:sld>
-</file>
-
-<file path=ppt/slides/slide9.xml><?xml version="1.0" encoding="utf-8"?>
-<p:sld xmlns:a="http://schemas.openxmlformats.org/drawingml/2006/main" xmlns:r="http://schemas.openxmlformats.org/officeDocument/2006/relationships" xmlns:p="http://schemas.openxmlformats.org/presentationml/2006/main">
-  <p:cSld>
-    <p:spTree>
-      <p:nvGrpSpPr>
-        <p:cNvPr id="1" name=""/>
-        <p:cNvGrpSpPr/>
-        <p:nvPr/>
-      </p:nvGrpSpPr>
-      <p:grpSpPr>
-        <a:xfrm>
-          <a:off x="0" y="0"/>
-          <a:ext cx="0" cy="0"/>
-          <a:chOff x="0" y="0"/>
-          <a:chExt cx="0" cy="0"/>
-        </a:xfrm>
-      </p:grpSpPr>
-      <p:sp>
-        <p:nvSpPr>
-          <p:cNvPr id="6" name="Title 5"/>
-          <p:cNvSpPr>
-            <a:spLocks noGrp="1"/>
-          </p:cNvSpPr>
-          <p:nvPr>
-            <p:ph type="title"/>
-          </p:nvPr>
-        </p:nvSpPr>
-        <p:spPr/>
-        <p:txBody>
-          <a:bodyPr>
-            <a:normAutofit fontScale="90000"/>
-          </a:bodyPr>
-          <a:lstStyle/>
-          <a:p>
-            <a:r>
-              <a:rPr lang="en-US" dirty="0"/>
-              <a:t>Getting Started</a:t>
-            </a:r>
-            <a:r>
-              <a:rPr lang="en-US" dirty="0" smtClean="0"/>
-              <a:t>: Pro-Tips</a:t>
-            </a:r>
-            <a:endParaRPr lang="en-US" dirty="0"/>
-          </a:p>
-        </p:txBody>
-      </p:sp>
-      <p:sp>
-        <p:nvSpPr>
-          <p:cNvPr id="7" name="Content Placeholder 6"/>
-          <p:cNvSpPr>
-            <a:spLocks noGrp="1"/>
-          </p:cNvSpPr>
-          <p:nvPr>
-            <p:ph sz="quarter" idx="1"/>
-          </p:nvPr>
-        </p:nvSpPr>
-        <p:spPr>
-          <a:xfrm>
-            <a:off x="381001" y="914400"/>
-            <a:ext cx="4769923" cy="3979308"/>
-          </a:xfrm>
-        </p:spPr>
-        <p:txBody>
-          <a:bodyPr>
-            <a:normAutofit/>
-          </a:bodyPr>
-          <a:lstStyle/>
-          <a:p>
-            <a:pPr>
-              <a:lnSpc>
-                <a:spcPct val="150000"/>
-              </a:lnSpc>
-            </a:pPr>
-            <a:r>
-              <a:rPr lang="en-US" sz="2400" dirty="0" smtClean="0"/>
-              <a:t>Use appropriate infrastructure</a:t>
-            </a:r>
-          </a:p>
-          <a:p>
-            <a:pPr>
-              <a:lnSpc>
-                <a:spcPct val="150000"/>
-              </a:lnSpc>
-            </a:pPr>
-            <a:r>
-              <a:rPr lang="en-US" sz="2400" dirty="0"/>
-              <a:t>Get your data model </a:t>
-            </a:r>
-            <a:r>
-              <a:rPr lang="en-US" sz="2400" dirty="0" smtClean="0"/>
-              <a:t>right</a:t>
-            </a:r>
-          </a:p>
-          <a:p>
-            <a:pPr>
-              <a:lnSpc>
-                <a:spcPct val="150000"/>
-              </a:lnSpc>
-            </a:pPr>
-            <a:r>
-              <a:rPr lang="en-US" sz="2400" b="1" dirty="0" smtClean="0"/>
-              <a:t>Know </a:t>
-            </a:r>
-            <a:r>
-              <a:rPr lang="en-US" sz="2400" b="1" dirty="0"/>
-              <a:t>the DataStax driver</a:t>
-            </a:r>
-          </a:p>
-          <a:p>
-            <a:pPr>
-              <a:lnSpc>
-                <a:spcPct val="150000"/>
-              </a:lnSpc>
-            </a:pPr>
-            <a:r>
-              <a:rPr lang="en-US" sz="2400" dirty="0"/>
-              <a:t>Code good query patterns</a:t>
-            </a:r>
-          </a:p>
-          <a:p>
-            <a:pPr>
-              <a:lnSpc>
-                <a:spcPct val="150000"/>
-              </a:lnSpc>
-            </a:pPr>
-            <a:r>
-              <a:rPr lang="en-US" sz="2400" dirty="0"/>
-              <a:t>Size your cluster </a:t>
-            </a:r>
-            <a:r>
-              <a:rPr lang="en-US" sz="2400" dirty="0" smtClean="0"/>
-              <a:t>correctly</a:t>
-            </a:r>
-            <a:endParaRPr lang="en-US" sz="2400" dirty="0"/>
-          </a:p>
-        </p:txBody>
-      </p:sp>
-      <p:sp>
-        <p:nvSpPr>
-          <p:cNvPr id="2" name="Rectangle 1"/>
-          <p:cNvSpPr/>
-          <p:nvPr/>
-        </p:nvSpPr>
-        <p:spPr>
-          <a:xfrm>
-            <a:off x="5266375" y="911074"/>
-            <a:ext cx="3723041" cy="3662900"/>
-          </a:xfrm>
-          <a:prstGeom prst="rect">
-            <a:avLst/>
-          </a:prstGeom>
-        </p:spPr>
-        <p:txBody>
-          <a:bodyPr vert="horz" lIns="0" tIns="0" bIns="0">
-            <a:normAutofit/>
-          </a:bodyPr>
-          <a:lstStyle/>
-          <a:p>
-            <a:pPr>
-              <a:lnSpc>
-                <a:spcPct val="150000"/>
-              </a:lnSpc>
-              <a:spcBef>
-                <a:spcPts val="600"/>
-              </a:spcBef>
-              <a:buClr>
-                <a:schemeClr val="accent1"/>
-              </a:buClr>
-              <a:buSzPct val="76000"/>
-              <a:buFont typeface="Wingdings 3"/>
-              <a:buNone/>
-            </a:pPr>
-            <a:r>
-              <a:rPr lang="en-US" sz="2400" dirty="0" smtClean="0">
-                <a:solidFill>
-                  <a:schemeClr val="tx1">
-                    <a:lumMod val="65000"/>
-                    <a:lumOff val="35000"/>
-                  </a:schemeClr>
-                </a:solidFill>
-                <a:latin typeface="Arial"/>
-                <a:cs typeface="Arial"/>
-              </a:rPr>
-              <a:t>Load balancing/routing</a:t>
-            </a:r>
-          </a:p>
-          <a:p>
-            <a:pPr>
-              <a:lnSpc>
-                <a:spcPct val="150000"/>
-              </a:lnSpc>
-              <a:spcBef>
-                <a:spcPts val="600"/>
-              </a:spcBef>
-              <a:buClr>
-                <a:schemeClr val="accent1"/>
-              </a:buClr>
-              <a:buSzPct val="76000"/>
-            </a:pPr>
-            <a:r>
-              <a:rPr lang="en-US" sz="2400" dirty="0">
-                <a:solidFill>
-                  <a:schemeClr val="tx1">
-                    <a:lumMod val="65000"/>
-                    <a:lumOff val="35000"/>
-                  </a:schemeClr>
-                </a:solidFill>
-                <a:latin typeface="Arial"/>
-                <a:cs typeface="Arial"/>
-              </a:rPr>
-              <a:t>Retry and </a:t>
-            </a:r>
-            <a:r>
-              <a:rPr lang="en-US" sz="2400" dirty="0" smtClean="0">
-                <a:solidFill>
-                  <a:schemeClr val="tx1">
-                    <a:lumMod val="65000"/>
-                    <a:lumOff val="35000"/>
-                  </a:schemeClr>
-                </a:solidFill>
-                <a:latin typeface="Arial"/>
-                <a:cs typeface="Arial"/>
-              </a:rPr>
-              <a:t>auto-failover</a:t>
-            </a:r>
-          </a:p>
-          <a:p>
-            <a:pPr>
-              <a:lnSpc>
-                <a:spcPct val="150000"/>
-              </a:lnSpc>
-              <a:spcBef>
-                <a:spcPts val="600"/>
-              </a:spcBef>
-              <a:buClr>
-                <a:schemeClr val="accent1"/>
-              </a:buClr>
-              <a:buSzPct val="76000"/>
-              <a:buFont typeface="Wingdings 3"/>
-              <a:buNone/>
-            </a:pPr>
-            <a:r>
-              <a:rPr lang="en-US" sz="2400" dirty="0" smtClean="0">
-                <a:solidFill>
-                  <a:schemeClr val="tx1">
-                    <a:lumMod val="65000"/>
-                    <a:lumOff val="35000"/>
-                  </a:schemeClr>
-                </a:solidFill>
-                <a:latin typeface="Arial"/>
-                <a:cs typeface="Arial"/>
-              </a:rPr>
-              <a:t>Session management</a:t>
-            </a:r>
-          </a:p>
-          <a:p>
-            <a:pPr>
-              <a:lnSpc>
-                <a:spcPct val="150000"/>
-              </a:lnSpc>
-              <a:spcBef>
-                <a:spcPts val="600"/>
-              </a:spcBef>
-              <a:buClr>
-                <a:schemeClr val="accent1"/>
-              </a:buClr>
-              <a:buSzPct val="76000"/>
-              <a:buFont typeface="Wingdings 3"/>
-              <a:buNone/>
-            </a:pPr>
-            <a:r>
-              <a:rPr lang="en-US" sz="2400" dirty="0" smtClean="0">
-                <a:solidFill>
-                  <a:schemeClr val="tx1">
-                    <a:lumMod val="65000"/>
-                    <a:lumOff val="35000"/>
-                  </a:schemeClr>
-                </a:solidFill>
-                <a:latin typeface="Arial"/>
-                <a:cs typeface="Arial"/>
-              </a:rPr>
-              <a:t>Language features</a:t>
-            </a:r>
-            <a:endParaRPr lang="en-US" sz="2400" dirty="0">
-              <a:solidFill>
-                <a:schemeClr val="tx1">
-                  <a:lumMod val="65000"/>
-                  <a:lumOff val="35000"/>
-                </a:schemeClr>
-              </a:solidFill>
-              <a:latin typeface="Arial"/>
-              <a:cs typeface="Arial"/>
-            </a:endParaRPr>
-          </a:p>
-        </p:txBody>
-      </p:sp>
-      <p:sp>
-        <p:nvSpPr>
-          <p:cNvPr id="8" name="Left Brace 7"/>
-          <p:cNvSpPr/>
-          <p:nvPr/>
-        </p:nvSpPr>
-        <p:spPr>
-          <a:xfrm>
-            <a:off x="4884497" y="1056898"/>
-            <a:ext cx="257546" cy="2309191"/>
-          </a:xfrm>
-          <a:prstGeom prst="leftBrace">
-            <a:avLst>
-              <a:gd name="adj1" fmla="val 8333"/>
-              <a:gd name="adj2" fmla="val 62821"/>
-            </a:avLst>
-          </a:prstGeom>
-          <a:ln w="38100" cmpd="sng"/>
-          <a:effectLst/>
-        </p:spPr>
-        <p:style>
-          <a:lnRef idx="2">
-            <a:schemeClr val="accent1"/>
-          </a:lnRef>
-          <a:fillRef idx="0">
-            <a:schemeClr val="accent1"/>
-          </a:fillRef>
-          <a:effectRef idx="1">
-            <a:schemeClr val="accent1"/>
-          </a:effectRef>
-          <a:fontRef idx="minor">
-            <a:schemeClr val="tx1"/>
-          </a:fontRef>
-        </p:style>
-        <p:txBody>
-          <a:bodyPr rtlCol="0" anchor="ctr"/>
-          <a:lstStyle/>
-          <a:p>
-            <a:pPr algn="ctr"/>
-            <a:endParaRPr lang="en-US"/>
-          </a:p>
-        </p:txBody>
-      </p:sp>
-      <p:sp>
-        <p:nvSpPr>
-          <p:cNvPr id="9" name="Footer Placeholder 1"/>
-          <p:cNvSpPr>
-            <a:spLocks noGrp="1"/>
-          </p:cNvSpPr>
-          <p:nvPr>
-            <p:ph type="ftr" sz="quarter" idx="11"/>
-          </p:nvPr>
-        </p:nvSpPr>
-        <p:spPr>
-          <a:xfrm>
-            <a:off x="457200" y="4836826"/>
-            <a:ext cx="1594500" cy="273900"/>
-          </a:xfrm>
-        </p:spPr>
-        <p:txBody>
-          <a:bodyPr/>
-          <a:lstStyle/>
-          <a:p>
-            <a:r>
-              <a:rPr lang="en-US" dirty="0" smtClean="0"/>
-              <a:t>© </a:t>
-            </a:r>
-            <a:r>
-              <a:rPr lang="en-US" dirty="0" smtClean="0"/>
-              <a:t>2016 </a:t>
-            </a:r>
-            <a:r>
-              <a:rPr lang="en-US" dirty="0" smtClean="0"/>
-              <a:t>DataStax, All Rights Reserved.</a:t>
-            </a:r>
-            <a:endParaRPr lang="en-US" dirty="0"/>
-          </a:p>
-        </p:txBody>
-      </p:sp>
-    </p:spTree>
-    <p:extLst>
-      <p:ext uri="{BB962C8B-B14F-4D97-AF65-F5344CB8AC3E}">
-        <p14:creationId xmlns:p14="http://schemas.microsoft.com/office/powerpoint/2010/main" val="519560994"/>
-      </p:ext>
-    </p:extLst>
   </p:cSld>
   <p:clrMapOvr>
     <a:masterClrMapping/>

--- a/lectures/Lecture 4 - Analytics.pptx
+++ b/lectures/Lecture 4 - Analytics.pptx
@@ -22042,6 +22042,47 @@
           </a:p>
         </p:txBody>
       </p:sp>
+      <p:pic>
+        <p:nvPicPr>
+          <p:cNvPr id="4" name="Picture 2" descr="https://lh4.googleusercontent.com/S34j9hYJ8iTSslnIDUFC_cQaOdCUdUs5cW3t21ic_4ic5DHHl_aK0no9srRbSwtlsTRhUYr2bOsLpnmRf1uEJPQipsfhVO_TuuR2rDxrkMhyRKTRh-eYWTQJtIaKLQqGMIdFtuneauA"/>
+          <p:cNvPicPr>
+            <a:picLocks noChangeAspect="1" noChangeArrowheads="1"/>
+          </p:cNvPicPr>
+          <p:nvPr/>
+        </p:nvPicPr>
+        <p:blipFill>
+          <a:blip r:embed="rId4">
+            <a:extLst>
+              <a:ext uri="{28A0092B-C50C-407E-A947-70E740481C1C}">
+                <a14:useLocalDpi xmlns:a14="http://schemas.microsoft.com/office/drawing/2010/main" val="0"/>
+              </a:ext>
+            </a:extLst>
+          </a:blip>
+          <a:srcRect/>
+          <a:stretch>
+            <a:fillRect/>
+          </a:stretch>
+        </p:blipFill>
+        <p:spPr bwMode="auto">
+          <a:xfrm>
+            <a:off x="4800600" y="0"/>
+            <a:ext cx="4343400" cy="2571750"/>
+          </a:xfrm>
+          <a:prstGeom prst="rect">
+            <a:avLst/>
+          </a:prstGeom>
+          <a:noFill/>
+          <a:extLst>
+            <a:ext uri="{909E8E84-426E-40DD-AFC4-6F175D3DCCD1}">
+              <a14:hiddenFill xmlns:a14="http://schemas.microsoft.com/office/drawing/2010/main">
+                <a:solidFill>
+                  <a:srgbClr val="FFFFFF"/>
+                </a:solidFill>
+              </a14:hiddenFill>
+            </a:ext>
+          </a:extLst>
+        </p:spPr>
+      </p:pic>
     </p:spTree>
   </p:cSld>
   <p:clrMapOvr>
